--- a/Introducción al Análisis de Datos - 01.pptx
+++ b/Introducción al Análisis de Datos - 01.pptx
@@ -121,6 +121,11 @@
       </a:defRPr>
     </a:lvl9pPr>
   </p:defaultTextStyle>
+  <p:extLst>
+    <p:ext uri="{EFAFB233-063F-42B5-8137-9DF3F51BA10A}">
+      <p15:sldGuideLst xmlns:p15="http://schemas.microsoft.com/office/powerpoint/2012/main"/>
+    </p:ext>
+  </p:extLst>
 </p:presentation>
 </file>
 
@@ -5717,40 +5722,6 @@
           <a:fontRef idx="minor"/>
         </p:style>
       </p:sp>
-      <p:sp>
-        <p:nvSpPr>
-          <p:cNvPr id="140" name="CustomShape 10"/>
-          <p:cNvSpPr/>
-          <p:nvPr/>
-        </p:nvSpPr>
-        <p:spPr>
-          <a:xfrm rot="10800000">
-            <a:off x="4952520" y="5697360"/>
-            <a:ext cx="1821960" cy="12240"/>
-          </a:xfrm>
-          <a:prstGeom prst="curvedConnector3">
-            <a:avLst>
-              <a:gd name="adj1" fmla="val 50000"/>
-            </a:avLst>
-          </a:prstGeom>
-          <a:noFill/>
-          <a:ln>
-            <a:tailEnd type="triangle" w="med" len="med"/>
-          </a:ln>
-        </p:spPr>
-        <p:style>
-          <a:lnRef idx="1">
-            <a:schemeClr val="accent1"/>
-          </a:lnRef>
-          <a:fillRef idx="0">
-            <a:schemeClr val="accent1"/>
-          </a:fillRef>
-          <a:effectRef idx="0">
-            <a:schemeClr val="accent1"/>
-          </a:effectRef>
-          <a:fontRef idx="minor"/>
-        </p:style>
-      </p:sp>
     </p:spTree>
   </p:cSld>
   <p:clrMapOvr>
@@ -7835,6 +7806,290 @@
           </a:ln>
         </p:spPr>
       </p:pic>
+      <p:sp>
+        <p:nvSpPr>
+          <p:cNvPr id="2" name="Rectángulo 1"/>
+          <p:cNvSpPr/>
+          <p:nvPr/>
+        </p:nvSpPr>
+        <p:spPr>
+          <a:xfrm>
+            <a:off x="5308600" y="2882900"/>
+            <a:ext cx="1663700" cy="939800"/>
+          </a:xfrm>
+          <a:prstGeom prst="rect">
+            <a:avLst/>
+          </a:prstGeom>
+        </p:spPr>
+        <p:style>
+          <a:lnRef idx="2">
+            <a:schemeClr val="accent1">
+              <a:shade val="50000"/>
+            </a:schemeClr>
+          </a:lnRef>
+          <a:fillRef idx="1">
+            <a:schemeClr val="accent1"/>
+          </a:fillRef>
+          <a:effectRef idx="0">
+            <a:schemeClr val="accent1"/>
+          </a:effectRef>
+          <a:fontRef idx="minor">
+            <a:schemeClr val="lt1"/>
+          </a:fontRef>
+        </p:style>
+        <p:txBody>
+          <a:bodyPr rtlCol="0" anchor="ctr"/>
+          <a:lstStyle/>
+          <a:p>
+            <a:pPr algn="ctr"/>
+            <a:r>
+              <a:rPr lang="es-PE" dirty="0" smtClean="0"/>
+              <a:t>¿Que te gustaría visualizar?</a:t>
+            </a:r>
+            <a:endParaRPr lang="es-PE" dirty="0"/>
+          </a:p>
+        </p:txBody>
+      </p:sp>
+      <p:sp>
+        <p:nvSpPr>
+          <p:cNvPr id="3" name="CuadroTexto 2"/>
+          <p:cNvSpPr txBox="1"/>
+          <p:nvPr/>
+        </p:nvSpPr>
+        <p:spPr>
+          <a:xfrm>
+            <a:off x="6972300" y="3149600"/>
+            <a:ext cx="1390124" cy="369332"/>
+          </a:xfrm>
+          <a:prstGeom prst="rect">
+            <a:avLst/>
+          </a:prstGeom>
+          <a:noFill/>
+        </p:spPr>
+        <p:txBody>
+          <a:bodyPr wrap="none" rtlCol="0">
+            <a:spAutoFit/>
+          </a:bodyPr>
+          <a:lstStyle/>
+          <a:p>
+            <a:r>
+              <a:rPr lang="es-PE" dirty="0" smtClean="0"/>
+              <a:t>Distribución</a:t>
+            </a:r>
+            <a:endParaRPr lang="es-PE" dirty="0"/>
+          </a:p>
+        </p:txBody>
+      </p:sp>
+      <p:sp>
+        <p:nvSpPr>
+          <p:cNvPr id="5" name="CuadroTexto 4"/>
+          <p:cNvSpPr txBox="1"/>
+          <p:nvPr/>
+        </p:nvSpPr>
+        <p:spPr>
+          <a:xfrm>
+            <a:off x="5445388" y="3930134"/>
+            <a:ext cx="1518364" cy="369332"/>
+          </a:xfrm>
+          <a:prstGeom prst="rect">
+            <a:avLst/>
+          </a:prstGeom>
+          <a:noFill/>
+        </p:spPr>
+        <p:txBody>
+          <a:bodyPr wrap="none" rtlCol="0">
+            <a:spAutoFit/>
+          </a:bodyPr>
+          <a:lstStyle/>
+          <a:p>
+            <a:r>
+              <a:rPr lang="es-PE" dirty="0" smtClean="0"/>
+              <a:t>Composición</a:t>
+            </a:r>
+            <a:endParaRPr lang="es-PE" dirty="0"/>
+          </a:p>
+        </p:txBody>
+      </p:sp>
+      <p:sp>
+        <p:nvSpPr>
+          <p:cNvPr id="6" name="CuadroTexto 5"/>
+          <p:cNvSpPr txBox="1"/>
+          <p:nvPr/>
+        </p:nvSpPr>
+        <p:spPr>
+          <a:xfrm>
+            <a:off x="3790236" y="3142734"/>
+            <a:ext cx="1082348" cy="369332"/>
+          </a:xfrm>
+          <a:prstGeom prst="rect">
+            <a:avLst/>
+          </a:prstGeom>
+          <a:noFill/>
+        </p:spPr>
+        <p:txBody>
+          <a:bodyPr wrap="none" rtlCol="0">
+            <a:spAutoFit/>
+          </a:bodyPr>
+          <a:lstStyle/>
+          <a:p>
+            <a:r>
+              <a:rPr lang="es-PE" dirty="0" smtClean="0"/>
+              <a:t>Relación</a:t>
+            </a:r>
+            <a:endParaRPr lang="es-PE" dirty="0"/>
+          </a:p>
+        </p:txBody>
+      </p:sp>
+      <p:sp>
+        <p:nvSpPr>
+          <p:cNvPr id="7" name="CuadroTexto 6"/>
+          <p:cNvSpPr txBox="1"/>
+          <p:nvPr/>
+        </p:nvSpPr>
+        <p:spPr>
+          <a:xfrm>
+            <a:off x="5415464" y="2459851"/>
+            <a:ext cx="1556836" cy="369332"/>
+          </a:xfrm>
+          <a:prstGeom prst="rect">
+            <a:avLst/>
+          </a:prstGeom>
+          <a:noFill/>
+        </p:spPr>
+        <p:txBody>
+          <a:bodyPr wrap="none" rtlCol="0">
+            <a:spAutoFit/>
+          </a:bodyPr>
+          <a:lstStyle/>
+          <a:p>
+            <a:r>
+              <a:rPr lang="es-PE" dirty="0" err="1" smtClean="0"/>
+              <a:t>Comparacion</a:t>
+            </a:r>
+            <a:endParaRPr lang="es-PE" dirty="0"/>
+          </a:p>
+        </p:txBody>
+      </p:sp>
+      <p:sp>
+        <p:nvSpPr>
+          <p:cNvPr id="4" name="CuadroTexto 3"/>
+          <p:cNvSpPr txBox="1"/>
+          <p:nvPr/>
+        </p:nvSpPr>
+        <p:spPr>
+          <a:xfrm>
+            <a:off x="3053636" y="4457700"/>
+            <a:ext cx="2146806" cy="369332"/>
+          </a:xfrm>
+          <a:prstGeom prst="rect">
+            <a:avLst/>
+          </a:prstGeom>
+          <a:noFill/>
+        </p:spPr>
+        <p:txBody>
+          <a:bodyPr wrap="none" rtlCol="0">
+            <a:spAutoFit/>
+          </a:bodyPr>
+          <a:lstStyle/>
+          <a:p>
+            <a:r>
+              <a:rPr lang="es-PE" dirty="0" smtClean="0"/>
+              <a:t>A través del tiempo</a:t>
+            </a:r>
+            <a:endParaRPr lang="es-PE" dirty="0"/>
+          </a:p>
+        </p:txBody>
+      </p:sp>
+      <p:sp>
+        <p:nvSpPr>
+          <p:cNvPr id="9" name="CuadroTexto 8"/>
+          <p:cNvSpPr txBox="1"/>
+          <p:nvPr/>
+        </p:nvSpPr>
+        <p:spPr>
+          <a:xfrm>
+            <a:off x="7859722" y="4589468"/>
+            <a:ext cx="1005403" cy="369332"/>
+          </a:xfrm>
+          <a:prstGeom prst="rect">
+            <a:avLst/>
+          </a:prstGeom>
+          <a:noFill/>
+        </p:spPr>
+        <p:txBody>
+          <a:bodyPr wrap="none" rtlCol="0">
+            <a:spAutoFit/>
+          </a:bodyPr>
+          <a:lstStyle/>
+          <a:p>
+            <a:r>
+              <a:rPr lang="es-PE" dirty="0" smtClean="0"/>
+              <a:t>Estático</a:t>
+            </a:r>
+            <a:endParaRPr lang="es-PE" dirty="0"/>
+          </a:p>
+        </p:txBody>
+      </p:sp>
+      <p:sp>
+        <p:nvSpPr>
+          <p:cNvPr id="10" name="CuadroTexto 9"/>
+          <p:cNvSpPr txBox="1"/>
+          <p:nvPr/>
+        </p:nvSpPr>
+        <p:spPr>
+          <a:xfrm>
+            <a:off x="2296742" y="4827032"/>
+            <a:ext cx="1241045" cy="276999"/>
+          </a:xfrm>
+          <a:prstGeom prst="rect">
+            <a:avLst/>
+          </a:prstGeom>
+          <a:noFill/>
+        </p:spPr>
+        <p:txBody>
+          <a:bodyPr wrap="none" rtlCol="0">
+            <a:spAutoFit/>
+          </a:bodyPr>
+          <a:lstStyle/>
+          <a:p>
+            <a:r>
+              <a:rPr lang="es-PE" sz="1200" dirty="0" smtClean="0"/>
+              <a:t>Pocos periodos</a:t>
+            </a:r>
+            <a:endParaRPr lang="es-PE" sz="1200" dirty="0"/>
+          </a:p>
+        </p:txBody>
+      </p:sp>
+      <p:sp>
+        <p:nvSpPr>
+          <p:cNvPr id="11" name="CuadroTexto 10"/>
+          <p:cNvSpPr txBox="1"/>
+          <p:nvPr/>
+        </p:nvSpPr>
+        <p:spPr>
+          <a:xfrm>
+            <a:off x="4030946" y="4827032"/>
+            <a:ext cx="1351652" cy="276999"/>
+          </a:xfrm>
+          <a:prstGeom prst="rect">
+            <a:avLst/>
+          </a:prstGeom>
+          <a:noFill/>
+        </p:spPr>
+        <p:txBody>
+          <a:bodyPr wrap="none" rtlCol="0">
+            <a:spAutoFit/>
+          </a:bodyPr>
+          <a:lstStyle/>
+          <a:p>
+            <a:r>
+              <a:rPr lang="es-PE" sz="1200" dirty="0" smtClean="0"/>
+              <a:t>Muchos periodos</a:t>
+            </a:r>
+            <a:endParaRPr lang="es-PE" sz="1200" dirty="0"/>
+          </a:p>
+        </p:txBody>
+      </p:sp>
     </p:spTree>
   </p:cSld>
   <p:clrMapOvr>
@@ -8117,7 +8372,7 @@
         </p:blipFill>
         <p:spPr>
           <a:xfrm>
-            <a:off x="4200480" y="3332520"/>
+            <a:off x="4200840" y="3184920"/>
             <a:ext cx="4020840" cy="1828800"/>
           </a:xfrm>
           <a:prstGeom prst="rect">
@@ -9038,7 +9293,7 @@
         <p:spPr>
           <a:xfrm>
             <a:off x="928800" y="3058200"/>
-            <a:ext cx="3535200" cy="1114200"/>
+            <a:ext cx="3535200" cy="1564600"/>
           </a:xfrm>
           <a:prstGeom prst="rect">
             <a:avLst/>
@@ -9053,7 +9308,7 @@
           <a:lstStyle/>
           <a:p>
             <a:r>
-              <a:rPr lang="es-PE" sz="1800" b="0" strike="noStrike" spc="-1">
+              <a:rPr lang="es-PE" sz="1800" b="0" strike="noStrike" spc="-1" dirty="0">
                 <a:solidFill>
                   <a:srgbClr val="000000"/>
                 </a:solidFill>
@@ -9069,7 +9324,7 @@
           </a:p>
           <a:p>
             <a:r>
-              <a:rPr lang="es-PE" sz="1800" b="0" strike="noStrike" spc="-1">
+              <a:rPr lang="es-PE" sz="1800" b="0" strike="noStrike" spc="-1" dirty="0" err="1">
                 <a:solidFill>
                   <a:srgbClr val="000000"/>
                 </a:solidFill>
@@ -9080,12 +9335,26 @@
                 </a:uFill>
                 <a:latin typeface="Arial"/>
               </a:rPr>
-              <a:t>Introduccion-&lt; conceptos previos</a:t>
+              <a:t>Introduccion</a:t>
             </a:r>
-          </a:p>
-          <a:p>
             <a:r>
-              <a:rPr lang="es-PE" sz="1800" b="0" strike="noStrike" spc="-1">
+              <a:rPr lang="es-PE" sz="1800" b="0" strike="noStrike" spc="-1" dirty="0">
+                <a:solidFill>
+                  <a:srgbClr val="000000"/>
+                </a:solidFill>
+                <a:uFill>
+                  <a:solidFill>
+                    <a:srgbClr val="FFFFFF"/>
+                  </a:solidFill>
+                </a:uFill>
+                <a:latin typeface="Arial"/>
+              </a:rPr>
+              <a:t>-&lt; conceptos previos</a:t>
+            </a:r>
+          </a:p>
+          <a:p>
+            <a:r>
+              <a:rPr lang="es-PE" sz="1800" b="0" strike="noStrike" spc="-1" dirty="0" err="1">
                 <a:solidFill>
                   <a:srgbClr val="000000"/>
                 </a:solidFill>
@@ -9098,10 +9367,21 @@
               </a:rPr>
               <a:t>Herrramientas</a:t>
             </a:r>
+            <a:endParaRPr lang="es-PE" sz="1800" b="0" strike="noStrike" spc="-1" dirty="0">
+              <a:solidFill>
+                <a:srgbClr val="000000"/>
+              </a:solidFill>
+              <a:uFill>
+                <a:solidFill>
+                  <a:srgbClr val="FFFFFF"/>
+                </a:solidFill>
+              </a:uFill>
+              <a:latin typeface="Arial"/>
+            </a:endParaRPr>
           </a:p>
           <a:p>
             <a:r>
-              <a:rPr lang="es-PE" sz="1800" b="0" strike="noStrike" spc="-1">
+              <a:rPr lang="es-PE" sz="1800" b="0" strike="noStrike" spc="-1" dirty="0">
                 <a:solidFill>
                   <a:srgbClr val="000000"/>
                 </a:solidFill>

--- a/Introducción al Análisis de Datos - 01.pptx
+++ b/Introducción al Análisis de Datos - 01.pptx
@@ -6,7 +6,7 @@
     <p:sldMasterId id="2147483661" r:id="rId2"/>
   </p:sldMasterIdLst>
   <p:notesMasterIdLst>
-    <p:notesMasterId r:id="rId29"/>
+    <p:notesMasterId r:id="rId28"/>
   </p:notesMasterIdLst>
   <p:sldIdLst>
     <p:sldId id="256" r:id="rId3"/>
@@ -25,16 +25,15 @@
     <p:sldId id="286" r:id="rId16"/>
     <p:sldId id="263" r:id="rId17"/>
     <p:sldId id="276" r:id="rId18"/>
-    <p:sldId id="278" r:id="rId19"/>
-    <p:sldId id="264" r:id="rId20"/>
-    <p:sldId id="265" r:id="rId21"/>
-    <p:sldId id="267" r:id="rId22"/>
-    <p:sldId id="269" r:id="rId23"/>
-    <p:sldId id="274" r:id="rId24"/>
-    <p:sldId id="270" r:id="rId25"/>
-    <p:sldId id="272" r:id="rId26"/>
-    <p:sldId id="271" r:id="rId27"/>
-    <p:sldId id="277" r:id="rId28"/>
+    <p:sldId id="264" r:id="rId19"/>
+    <p:sldId id="265" r:id="rId20"/>
+    <p:sldId id="267" r:id="rId21"/>
+    <p:sldId id="269" r:id="rId22"/>
+    <p:sldId id="274" r:id="rId23"/>
+    <p:sldId id="270" r:id="rId24"/>
+    <p:sldId id="272" r:id="rId25"/>
+    <p:sldId id="271" r:id="rId26"/>
+    <p:sldId id="277" r:id="rId27"/>
   </p:sldIdLst>
   <p:sldSz cx="12192000" cy="6858000"/>
   <p:notesSz cx="7559675" cy="10691813"/>
@@ -136,7 +135,7 @@
   <p:extLst>
     <p:ext uri="{521415D9-36F7-43E2-AB2F-B90AF26B5E84}">
       <p14:sectionLst xmlns:p14="http://schemas.microsoft.com/office/powerpoint/2010/main">
-        <p14:section name="Sección predeterminada" id="{2C56C5C5-AE7E-49B0-AECF-98E819B400F0}">
+        <p14:section name="Intro" id="{2C56C5C5-AE7E-49B0-AECF-98E819B400F0}">
           <p14:sldIdLst>
             <p14:sldId id="256"/>
             <p14:sldId id="287"/>
@@ -158,7 +157,6 @@
           <p14:sldIdLst>
             <p14:sldId id="263"/>
             <p14:sldId id="276"/>
-            <p14:sldId id="278"/>
           </p14:sldIdLst>
         </p14:section>
         <p14:section name="Herramientas" id="{5F97FD42-0054-4F4E-9946-B6ADEE84A978}">
@@ -5994,10 +5992,10 @@
                 <a:ea typeface="Microsoft Sans Serif" panose="020B0604020202020204" pitchFamily="34" charset="0"/>
                 <a:cs typeface="Microsoft Sans Serif" panose="020B0604020202020204" pitchFamily="34" charset="0"/>
               </a:rPr>
-              <a:t> </a:t>
-            </a:r>
-            <a:r>
-              <a:rPr lang="en-US" sz="2000" i="1" dirty="0" smtClean="0">
+              <a:t> el campo de la </a:t>
+            </a:r>
+            <a:r>
+              <a:rPr lang="en-US" sz="2000" i="1" dirty="0" err="1" smtClean="0">
                 <a:solidFill>
                   <a:schemeClr val="tx2">
                     <a:lumMod val="50000"/>
@@ -6006,10 +6004,10 @@
                 <a:ea typeface="Microsoft Sans Serif" panose="020B0604020202020204" pitchFamily="34" charset="0"/>
                 <a:cs typeface="Microsoft Sans Serif" panose="020B0604020202020204" pitchFamily="34" charset="0"/>
               </a:rPr>
-              <a:t>el campo de la </a:t>
-            </a:r>
-            <a:r>
-              <a:rPr lang="en-US" sz="2000" i="1" dirty="0" err="1" smtClean="0">
+              <a:t>ciencia</a:t>
+            </a:r>
+            <a:r>
+              <a:rPr lang="en-US" sz="2000" i="1" dirty="0" smtClean="0">
                 <a:solidFill>
                   <a:schemeClr val="tx2">
                     <a:lumMod val="50000"/>
@@ -6018,10 +6016,10 @@
                 <a:ea typeface="Microsoft Sans Serif" panose="020B0604020202020204" pitchFamily="34" charset="0"/>
                 <a:cs typeface="Microsoft Sans Serif" panose="020B0604020202020204" pitchFamily="34" charset="0"/>
               </a:rPr>
-              <a:t>ciencia</a:t>
-            </a:r>
-            <a:r>
-              <a:rPr lang="en-US" sz="2000" i="1" dirty="0" smtClean="0">
+              <a:t> de </a:t>
+            </a:r>
+            <a:r>
+              <a:rPr lang="en-US" sz="2000" i="1" dirty="0" err="1" smtClean="0">
                 <a:solidFill>
                   <a:schemeClr val="tx2">
                     <a:lumMod val="50000"/>
@@ -6030,10 +6028,10 @@
                 <a:ea typeface="Microsoft Sans Serif" panose="020B0604020202020204" pitchFamily="34" charset="0"/>
                 <a:cs typeface="Microsoft Sans Serif" panose="020B0604020202020204" pitchFamily="34" charset="0"/>
               </a:rPr>
-              <a:t> de </a:t>
-            </a:r>
-            <a:r>
-              <a:rPr lang="en-US" sz="2000" i="1" dirty="0" err="1" smtClean="0">
+              <a:t>datos</a:t>
+            </a:r>
+            <a:r>
+              <a:rPr lang="en-US" sz="2000" i="1" dirty="0" smtClean="0">
                 <a:solidFill>
                   <a:schemeClr val="tx2">
                     <a:lumMod val="50000"/>
@@ -6042,10 +6040,10 @@
                 <a:ea typeface="Microsoft Sans Serif" panose="020B0604020202020204" pitchFamily="34" charset="0"/>
                 <a:cs typeface="Microsoft Sans Serif" panose="020B0604020202020204" pitchFamily="34" charset="0"/>
               </a:rPr>
-              <a:t>datos</a:t>
-            </a:r>
-            <a:r>
-              <a:rPr lang="en-US" sz="2000" i="1" dirty="0" smtClean="0">
+              <a:t>, </a:t>
+            </a:r>
+            <a:r>
+              <a:rPr lang="en-US" sz="2000" i="1" dirty="0" err="1" smtClean="0">
                 <a:solidFill>
                   <a:schemeClr val="tx2">
                     <a:lumMod val="50000"/>
@@ -6054,10 +6052,10 @@
                 <a:ea typeface="Microsoft Sans Serif" panose="020B0604020202020204" pitchFamily="34" charset="0"/>
                 <a:cs typeface="Microsoft Sans Serif" panose="020B0604020202020204" pitchFamily="34" charset="0"/>
               </a:rPr>
-              <a:t>, </a:t>
-            </a:r>
-            <a:r>
-              <a:rPr lang="en-US" sz="2000" i="1" dirty="0" err="1" smtClean="0">
+              <a:t>donde</a:t>
+            </a:r>
+            <a:r>
+              <a:rPr lang="en-US" sz="2000" i="1" dirty="0" smtClean="0">
                 <a:solidFill>
                   <a:schemeClr val="tx2">
                     <a:lumMod val="50000"/>
@@ -6066,10 +6064,10 @@
                 <a:ea typeface="Microsoft Sans Serif" panose="020B0604020202020204" pitchFamily="34" charset="0"/>
                 <a:cs typeface="Microsoft Sans Serif" panose="020B0604020202020204" pitchFamily="34" charset="0"/>
               </a:rPr>
-              <a:t>donde</a:t>
-            </a:r>
-            <a:r>
-              <a:rPr lang="en-US" sz="2000" i="1" dirty="0" smtClean="0">
+              <a:t> las </a:t>
+            </a:r>
+            <a:r>
+              <a:rPr lang="en-US" sz="2000" i="1" dirty="0" err="1" smtClean="0">
                 <a:solidFill>
                   <a:schemeClr val="tx2">
                     <a:lumMod val="50000"/>
@@ -6078,10 +6076,10 @@
                 <a:ea typeface="Microsoft Sans Serif" panose="020B0604020202020204" pitchFamily="34" charset="0"/>
                 <a:cs typeface="Microsoft Sans Serif" panose="020B0604020202020204" pitchFamily="34" charset="0"/>
               </a:rPr>
-              <a:t> las </a:t>
-            </a:r>
-            <a:r>
-              <a:rPr lang="en-US" sz="2000" i="1" dirty="0" err="1" smtClean="0">
+              <a:t>máquinas</a:t>
+            </a:r>
+            <a:r>
+              <a:rPr lang="en-US" sz="2000" i="1" dirty="0" smtClean="0">
                 <a:solidFill>
                   <a:schemeClr val="tx2">
                     <a:lumMod val="50000"/>
@@ -6090,10 +6088,10 @@
                 <a:ea typeface="Microsoft Sans Serif" panose="020B0604020202020204" pitchFamily="34" charset="0"/>
                 <a:cs typeface="Microsoft Sans Serif" panose="020B0604020202020204" pitchFamily="34" charset="0"/>
               </a:rPr>
-              <a:t>máquinas</a:t>
-            </a:r>
-            <a:r>
-              <a:rPr lang="en-US" sz="2000" i="1" dirty="0" smtClean="0">
+              <a:t> </a:t>
+            </a:r>
+            <a:r>
+              <a:rPr lang="en-US" sz="2000" i="1" dirty="0" err="1" smtClean="0">
                 <a:solidFill>
                   <a:schemeClr val="tx2">
                     <a:lumMod val="50000"/>
@@ -6102,10 +6100,10 @@
                 <a:ea typeface="Microsoft Sans Serif" panose="020B0604020202020204" pitchFamily="34" charset="0"/>
                 <a:cs typeface="Microsoft Sans Serif" panose="020B0604020202020204" pitchFamily="34" charset="0"/>
               </a:rPr>
-              <a:t> </a:t>
-            </a:r>
-            <a:r>
-              <a:rPr lang="en-US" sz="2000" i="1" dirty="0" err="1" smtClean="0">
+              <a:t>pueden</a:t>
+            </a:r>
+            <a:r>
+              <a:rPr lang="en-US" sz="2000" i="1" dirty="0" smtClean="0">
                 <a:solidFill>
                   <a:schemeClr val="tx2">
                     <a:lumMod val="50000"/>
@@ -6114,10 +6112,10 @@
                 <a:ea typeface="Microsoft Sans Serif" panose="020B0604020202020204" pitchFamily="34" charset="0"/>
                 <a:cs typeface="Microsoft Sans Serif" panose="020B0604020202020204" pitchFamily="34" charset="0"/>
               </a:rPr>
-              <a:t>pueden</a:t>
-            </a:r>
-            <a:r>
-              <a:rPr lang="en-US" sz="2000" i="1" dirty="0" smtClean="0">
+              <a:t> </a:t>
+            </a:r>
+            <a:r>
+              <a:rPr lang="en-US" sz="2000" i="1" dirty="0" err="1" smtClean="0">
                 <a:solidFill>
                   <a:schemeClr val="tx2">
                     <a:lumMod val="50000"/>
@@ -6126,10 +6124,10 @@
                 <a:ea typeface="Microsoft Sans Serif" panose="020B0604020202020204" pitchFamily="34" charset="0"/>
                 <a:cs typeface="Microsoft Sans Serif" panose="020B0604020202020204" pitchFamily="34" charset="0"/>
               </a:rPr>
-              <a:t> </a:t>
-            </a:r>
-            <a:r>
-              <a:rPr lang="en-US" sz="2000" i="1" dirty="0" err="1" smtClean="0">
+              <a:t>aprender</a:t>
+            </a:r>
+            <a:r>
+              <a:rPr lang="en-US" sz="2000" i="1" dirty="0" smtClean="0">
                 <a:solidFill>
                   <a:schemeClr val="tx2">
                     <a:lumMod val="50000"/>
@@ -6138,10 +6136,10 @@
                 <a:ea typeface="Microsoft Sans Serif" panose="020B0604020202020204" pitchFamily="34" charset="0"/>
                 <a:cs typeface="Microsoft Sans Serif" panose="020B0604020202020204" pitchFamily="34" charset="0"/>
               </a:rPr>
-              <a:t>aprender</a:t>
-            </a:r>
-            <a:r>
-              <a:rPr lang="en-US" sz="2000" i="1" dirty="0" smtClean="0">
+              <a:t> de </a:t>
+            </a:r>
+            <a:r>
+              <a:rPr lang="en-US" sz="2000" i="1" dirty="0" err="1" smtClean="0">
                 <a:solidFill>
                   <a:schemeClr val="tx2">
                     <a:lumMod val="50000"/>
@@ -6150,10 +6148,10 @@
                 <a:ea typeface="Microsoft Sans Serif" panose="020B0604020202020204" pitchFamily="34" charset="0"/>
                 <a:cs typeface="Microsoft Sans Serif" panose="020B0604020202020204" pitchFamily="34" charset="0"/>
               </a:rPr>
-              <a:t> de </a:t>
-            </a:r>
-            <a:r>
-              <a:rPr lang="en-US" sz="2000" i="1" dirty="0" err="1" smtClean="0">
+              <a:t>los</a:t>
+            </a:r>
+            <a:r>
+              <a:rPr lang="en-US" sz="2000" i="1" dirty="0" smtClean="0">
                 <a:solidFill>
                   <a:schemeClr val="tx2">
                     <a:lumMod val="50000"/>
@@ -6162,10 +6160,10 @@
                 <a:ea typeface="Microsoft Sans Serif" panose="020B0604020202020204" pitchFamily="34" charset="0"/>
                 <a:cs typeface="Microsoft Sans Serif" panose="020B0604020202020204" pitchFamily="34" charset="0"/>
               </a:rPr>
-              <a:t>los</a:t>
-            </a:r>
-            <a:r>
-              <a:rPr lang="en-US" sz="2000" i="1" dirty="0" smtClean="0">
+              <a:t> </a:t>
+            </a:r>
+            <a:r>
+              <a:rPr lang="en-US" sz="2000" i="1" dirty="0" err="1" smtClean="0">
                 <a:solidFill>
                   <a:schemeClr val="tx2">
                     <a:lumMod val="50000"/>
@@ -6174,10 +6172,10 @@
                 <a:ea typeface="Microsoft Sans Serif" panose="020B0604020202020204" pitchFamily="34" charset="0"/>
                 <a:cs typeface="Microsoft Sans Serif" panose="020B0604020202020204" pitchFamily="34" charset="0"/>
               </a:rPr>
-              <a:t> </a:t>
-            </a:r>
-            <a:r>
-              <a:rPr lang="en-US" sz="2000" i="1" dirty="0" err="1" smtClean="0">
+              <a:t>datos</a:t>
+            </a:r>
+            <a:r>
+              <a:rPr lang="en-US" sz="2000" i="1" dirty="0" smtClean="0">
                 <a:solidFill>
                   <a:schemeClr val="tx2">
                     <a:lumMod val="50000"/>
@@ -6186,10 +6184,10 @@
                 <a:ea typeface="Microsoft Sans Serif" panose="020B0604020202020204" pitchFamily="34" charset="0"/>
                 <a:cs typeface="Microsoft Sans Serif" panose="020B0604020202020204" pitchFamily="34" charset="0"/>
               </a:rPr>
-              <a:t>datos</a:t>
-            </a:r>
-            <a:r>
-              <a:rPr lang="en-US" sz="2000" i="1" dirty="0" smtClean="0">
+              <a:t> , sin </a:t>
+            </a:r>
+            <a:r>
+              <a:rPr lang="en-US" sz="2000" i="1" dirty="0" err="1" smtClean="0">
                 <a:solidFill>
                   <a:schemeClr val="tx2">
                     <a:lumMod val="50000"/>
@@ -6198,10 +6196,10 @@
                 <a:ea typeface="Microsoft Sans Serif" panose="020B0604020202020204" pitchFamily="34" charset="0"/>
                 <a:cs typeface="Microsoft Sans Serif" panose="020B0604020202020204" pitchFamily="34" charset="0"/>
               </a:rPr>
-              <a:t> , sin </a:t>
-            </a:r>
-            <a:r>
-              <a:rPr lang="en-US" sz="2000" i="1" dirty="0" err="1" smtClean="0">
+              <a:t>necesidad</a:t>
+            </a:r>
+            <a:r>
+              <a:rPr lang="en-US" sz="2000" i="1" dirty="0" smtClean="0">
                 <a:solidFill>
                   <a:schemeClr val="tx2">
                     <a:lumMod val="50000"/>
@@ -6210,10 +6208,10 @@
                 <a:ea typeface="Microsoft Sans Serif" panose="020B0604020202020204" pitchFamily="34" charset="0"/>
                 <a:cs typeface="Microsoft Sans Serif" panose="020B0604020202020204" pitchFamily="34" charset="0"/>
               </a:rPr>
-              <a:t>necesidad</a:t>
-            </a:r>
-            <a:r>
-              <a:rPr lang="en-US" sz="2000" i="1" dirty="0" smtClean="0">
+              <a:t> de </a:t>
+            </a:r>
+            <a:r>
+              <a:rPr lang="en-US" sz="2000" i="1" dirty="0" err="1" smtClean="0">
                 <a:solidFill>
                   <a:schemeClr val="tx2">
                     <a:lumMod val="50000"/>
@@ -6222,10 +6220,10 @@
                 <a:ea typeface="Microsoft Sans Serif" panose="020B0604020202020204" pitchFamily="34" charset="0"/>
                 <a:cs typeface="Microsoft Sans Serif" panose="020B0604020202020204" pitchFamily="34" charset="0"/>
               </a:rPr>
-              <a:t> de </a:t>
-            </a:r>
-            <a:r>
-              <a:rPr lang="en-US" sz="2000" i="1" dirty="0" err="1" smtClean="0">
+              <a:t>ser</a:t>
+            </a:r>
+            <a:r>
+              <a:rPr lang="en-US" sz="2000" i="1" dirty="0" smtClean="0">
                 <a:solidFill>
                   <a:schemeClr val="tx2">
                     <a:lumMod val="50000"/>
@@ -6234,10 +6232,10 @@
                 <a:ea typeface="Microsoft Sans Serif" panose="020B0604020202020204" pitchFamily="34" charset="0"/>
                 <a:cs typeface="Microsoft Sans Serif" panose="020B0604020202020204" pitchFamily="34" charset="0"/>
               </a:rPr>
-              <a:t>ser</a:t>
-            </a:r>
-            <a:r>
-              <a:rPr lang="en-US" sz="2000" i="1" dirty="0" smtClean="0">
+              <a:t> </a:t>
+            </a:r>
+            <a:r>
+              <a:rPr lang="en-US" sz="2000" i="1" dirty="0" err="1" smtClean="0">
                 <a:solidFill>
                   <a:schemeClr val="tx2">
                     <a:lumMod val="50000"/>
@@ -6246,10 +6244,10 @@
                 <a:ea typeface="Microsoft Sans Serif" panose="020B0604020202020204" pitchFamily="34" charset="0"/>
                 <a:cs typeface="Microsoft Sans Serif" panose="020B0604020202020204" pitchFamily="34" charset="0"/>
               </a:rPr>
-              <a:t> </a:t>
-            </a:r>
-            <a:r>
-              <a:rPr lang="en-US" sz="2000" i="1" dirty="0" err="1" smtClean="0">
+              <a:t>programadas</a:t>
+            </a:r>
+            <a:r>
+              <a:rPr lang="en-US" sz="2000" i="1" dirty="0" smtClean="0">
                 <a:solidFill>
                   <a:schemeClr val="tx2">
                     <a:lumMod val="50000"/>
@@ -6258,29 +6256,8 @@
                 <a:ea typeface="Microsoft Sans Serif" panose="020B0604020202020204" pitchFamily="34" charset="0"/>
                 <a:cs typeface="Microsoft Sans Serif" panose="020B0604020202020204" pitchFamily="34" charset="0"/>
               </a:rPr>
-              <a:t>programadas</a:t>
-            </a:r>
-            <a:r>
-              <a:rPr lang="en-US" sz="2000" i="1" dirty="0" smtClean="0">
-                <a:solidFill>
-                  <a:schemeClr val="tx2">
-                    <a:lumMod val="50000"/>
-                  </a:schemeClr>
-                </a:solidFill>
-                <a:ea typeface="Microsoft Sans Serif" panose="020B0604020202020204" pitchFamily="34" charset="0"/>
-                <a:cs typeface="Microsoft Sans Serif" panose="020B0604020202020204" pitchFamily="34" charset="0"/>
-              </a:rPr>
               <a:t>.”</a:t>
             </a:r>
-            <a:endParaRPr lang="en-US" sz="2000" i="1" dirty="0" smtClean="0">
-              <a:solidFill>
-                <a:schemeClr val="tx2">
-                  <a:lumMod val="50000"/>
-                </a:schemeClr>
-              </a:solidFill>
-              <a:ea typeface="Microsoft Sans Serif" panose="020B0604020202020204" pitchFamily="34" charset="0"/>
-              <a:cs typeface="Microsoft Sans Serif" panose="020B0604020202020204" pitchFamily="34" charset="0"/>
-            </a:endParaRPr>
           </a:p>
         </p:txBody>
       </p:sp>
@@ -7244,22 +7221,7 @@
                 <a:ea typeface="Microsoft Sans Serif" panose="020B0604020202020204" pitchFamily="34" charset="0"/>
                 <a:cs typeface="Microsoft Sans Serif" panose="020B0604020202020204" pitchFamily="34" charset="0"/>
               </a:rPr>
-              <a:t>En el aprendizaje </a:t>
-            </a:r>
-            <a:r>
-              <a:rPr lang="es-PE" spc="-1" dirty="0" smtClean="0">
-                <a:solidFill>
-                  <a:schemeClr val="tx2"/>
-                </a:solidFill>
-                <a:uFill>
-                  <a:solidFill>
-                    <a:srgbClr val="FFFFFF"/>
-                  </a:solidFill>
-                </a:uFill>
-                <a:ea typeface="Microsoft Sans Serif" panose="020B0604020202020204" pitchFamily="34" charset="0"/>
-                <a:cs typeface="Microsoft Sans Serif" panose="020B0604020202020204" pitchFamily="34" charset="0"/>
-              </a:rPr>
-              <a:t>supervisado se tiene el valor a predecir como parte de la data de entrenamiento.</a:t>
+              <a:t>En el aprendizaje supervisado se tiene el valor a predecir como parte de la data de entrenamiento.</a:t>
             </a:r>
           </a:p>
           <a:p>
@@ -8354,8 +8316,8 @@
         </p:nvSpPr>
         <p:spPr>
           <a:xfrm>
-            <a:off x="508180" y="211286"/>
-            <a:ext cx="10515240" cy="1096396"/>
+            <a:off x="304425" y="274640"/>
+            <a:ext cx="10515240" cy="992242"/>
           </a:xfrm>
         </p:spPr>
         <p:txBody>
@@ -9125,7 +9087,7 @@
         </p:nvCxnSpPr>
         <p:spPr>
           <a:xfrm>
-            <a:off x="7333639" y="397090"/>
+            <a:off x="7689239" y="470567"/>
             <a:ext cx="0" cy="5954044"/>
           </a:xfrm>
           <a:prstGeom prst="line">
@@ -10593,8 +10555,8 @@
           </a:p>
         </p:txBody>
       </p:sp>
-      <mc:AlternateContent xmlns:mc="http://schemas.openxmlformats.org/markup-compatibility/2006">
-        <mc:Choice xmlns:a14="http://schemas.microsoft.com/office/drawing/2010/main" Requires="a14">
+      <mc:AlternateContent xmlns:mc="http://schemas.openxmlformats.org/markup-compatibility/2006" xmlns:a14="http://schemas.microsoft.com/office/drawing/2010/main">
+        <mc:Choice Requires="a14">
           <p:sp>
             <p:nvSpPr>
               <p:cNvPr id="115" name="CuadroTexto 114"/>
@@ -10617,6 +10579,7 @@
               </a:bodyPr>
               <a:lstStyle/>
               <a:p>
+                <a:pPr/>
                 <a14:m>
                   <m:oMathPara xmlns:m="http://schemas.openxmlformats.org/officeDocument/2006/math">
                     <m:oMathParaPr>
@@ -10718,7 +10681,7 @@
             </p:txBody>
           </p:sp>
         </mc:Choice>
-        <mc:Fallback>
+        <mc:Fallback xmlns="">
           <p:sp>
             <p:nvSpPr>
               <p:cNvPr id="115" name="CuadroTexto 114"/>
@@ -10757,8 +10720,8 @@
           </p:sp>
         </mc:Fallback>
       </mc:AlternateContent>
-      <mc:AlternateContent xmlns:mc="http://schemas.openxmlformats.org/markup-compatibility/2006">
-        <mc:Choice xmlns:a14="http://schemas.microsoft.com/office/drawing/2010/main" Requires="a14">
+      <mc:AlternateContent xmlns:mc="http://schemas.openxmlformats.org/markup-compatibility/2006" xmlns:a14="http://schemas.microsoft.com/office/drawing/2010/main">
+        <mc:Choice Requires="a14">
           <p:sp>
             <p:nvSpPr>
               <p:cNvPr id="116" name="CuadroTexto 115"/>
@@ -10781,6 +10744,7 @@
               </a:bodyPr>
               <a:lstStyle/>
               <a:p>
+                <a:pPr/>
                 <a14:m>
                   <m:oMathPara xmlns:m="http://schemas.openxmlformats.org/officeDocument/2006/math">
                     <m:oMathParaPr>
@@ -10838,7 +10802,7 @@
             </p:txBody>
           </p:sp>
         </mc:Choice>
-        <mc:Fallback>
+        <mc:Fallback xmlns="">
           <p:sp>
             <p:nvSpPr>
               <p:cNvPr id="116" name="CuadroTexto 115"/>
@@ -12860,46 +12824,13 @@
       </p:sp>
       <p:cxnSp>
         <p:nvCxnSpPr>
-          <p:cNvPr id="41" name="Conector recto de flecha 40"/>
-          <p:cNvCxnSpPr/>
-          <p:nvPr/>
-        </p:nvCxnSpPr>
-        <p:spPr>
-          <a:xfrm>
-            <a:off x="3848339" y="3794064"/>
-            <a:ext cx="518560" cy="0"/>
-          </a:xfrm>
-          <a:prstGeom prst="straightConnector1">
-            <a:avLst/>
-          </a:prstGeom>
-          <a:ln>
-            <a:tailEnd type="triangle"/>
-          </a:ln>
-        </p:spPr>
-        <p:style>
-          <a:lnRef idx="1">
-            <a:schemeClr val="accent1"/>
-          </a:lnRef>
-          <a:fillRef idx="0">
-            <a:schemeClr val="accent1"/>
-          </a:fillRef>
-          <a:effectRef idx="0">
-            <a:schemeClr val="accent1"/>
-          </a:effectRef>
-          <a:fontRef idx="minor">
-            <a:schemeClr val="tx1"/>
-          </a:fontRef>
-        </p:style>
-      </p:cxnSp>
-      <p:cxnSp>
-        <p:nvCxnSpPr>
           <p:cNvPr id="52" name="Conector recto de flecha 51"/>
           <p:cNvCxnSpPr/>
           <p:nvPr/>
         </p:nvCxnSpPr>
         <p:spPr>
           <a:xfrm>
-            <a:off x="7902575" y="3731625"/>
+            <a:off x="8250959" y="3593861"/>
             <a:ext cx="558800" cy="0"/>
           </a:xfrm>
           <a:prstGeom prst="straightConnector1">
@@ -12946,7 +12877,7 @@
         </p:blipFill>
         <p:spPr>
           <a:xfrm>
-            <a:off x="2895839" y="3304489"/>
+            <a:off x="3255231" y="3168208"/>
             <a:ext cx="952500" cy="952500"/>
           </a:xfrm>
           <a:prstGeom prst="rect">
@@ -12976,7 +12907,7 @@
         </p:blipFill>
         <p:spPr>
           <a:xfrm>
-            <a:off x="8543944" y="3254418"/>
+            <a:off x="8809759" y="3126367"/>
             <a:ext cx="952500" cy="952500"/>
           </a:xfrm>
           <a:prstGeom prst="rect">
@@ -13006,8 +12937,8 @@
         </p:blipFill>
         <p:spPr>
           <a:xfrm>
-            <a:off x="4580425" y="3444291"/>
-            <a:ext cx="812698" cy="812698"/>
+            <a:off x="2474936" y="2762463"/>
+            <a:ext cx="479485" cy="479485"/>
           </a:xfrm>
           <a:prstGeom prst="rect">
             <a:avLst/>
@@ -13036,7 +12967,7 @@
         </p:blipFill>
         <p:spPr>
           <a:xfrm>
-            <a:off x="430549" y="3307451"/>
+            <a:off x="146424" y="3307451"/>
             <a:ext cx="406349" cy="406349"/>
           </a:xfrm>
           <a:prstGeom prst="rect">
@@ -13066,7 +12997,7 @@
         </p:blipFill>
         <p:spPr>
           <a:xfrm>
-            <a:off x="1015309" y="3307451"/>
+            <a:off x="731184" y="3307451"/>
             <a:ext cx="406349" cy="406349"/>
           </a:xfrm>
           <a:prstGeom prst="rect">
@@ -13096,7 +13027,7 @@
         </p:blipFill>
         <p:spPr>
           <a:xfrm>
-            <a:off x="2023276" y="2775333"/>
+            <a:off x="1739151" y="2775333"/>
             <a:ext cx="406349" cy="406349"/>
           </a:xfrm>
           <a:prstGeom prst="rect">
@@ -13126,7 +13057,7 @@
         </p:blipFill>
         <p:spPr>
           <a:xfrm>
-            <a:off x="2023276" y="3320407"/>
+            <a:off x="1739151" y="3320407"/>
             <a:ext cx="406349" cy="406349"/>
           </a:xfrm>
           <a:prstGeom prst="rect">
@@ -13156,7 +13087,7 @@
         </p:blipFill>
         <p:spPr>
           <a:xfrm>
-            <a:off x="986178" y="3787613"/>
+            <a:off x="702053" y="3787613"/>
             <a:ext cx="406349" cy="406349"/>
           </a:xfrm>
           <a:prstGeom prst="rect">
@@ -13186,7 +13117,7 @@
         </p:blipFill>
         <p:spPr>
           <a:xfrm>
-            <a:off x="2023276" y="3800569"/>
+            <a:off x="1739151" y="3800569"/>
             <a:ext cx="406349" cy="406349"/>
           </a:xfrm>
           <a:prstGeom prst="rect">
@@ -13216,7 +13147,7 @@
         </p:blipFill>
         <p:spPr>
           <a:xfrm>
-            <a:off x="430549" y="4349419"/>
+            <a:off x="146424" y="4349419"/>
             <a:ext cx="609524" cy="419048"/>
           </a:xfrm>
           <a:prstGeom prst="rect">
@@ -13246,7 +13177,7 @@
         </p:blipFill>
         <p:spPr>
           <a:xfrm>
-            <a:off x="1909637" y="4349419"/>
+            <a:off x="1625512" y="4349419"/>
             <a:ext cx="609524" cy="419048"/>
           </a:xfrm>
           <a:prstGeom prst="rect">
@@ -13276,7 +13207,7 @@
         </p:blipFill>
         <p:spPr>
           <a:xfrm>
-            <a:off x="1331072" y="4349419"/>
+            <a:off x="1046947" y="4349419"/>
             <a:ext cx="406349" cy="406349"/>
           </a:xfrm>
           <a:prstGeom prst="rect">
@@ -13306,7 +13237,7 @@
         </p:blipFill>
         <p:spPr>
           <a:xfrm>
-            <a:off x="430549" y="2762377"/>
+            <a:off x="146424" y="2762377"/>
             <a:ext cx="457200" cy="457200"/>
           </a:xfrm>
           <a:prstGeom prst="rect">
@@ -13336,7 +13267,7 @@
         </p:blipFill>
         <p:spPr>
           <a:xfrm>
-            <a:off x="1127097" y="2762377"/>
+            <a:off x="842972" y="2762377"/>
             <a:ext cx="609524" cy="419048"/>
           </a:xfrm>
           <a:prstGeom prst="rect">
@@ -13366,7 +13297,7 @@
         </p:blipFill>
         <p:spPr>
           <a:xfrm>
-            <a:off x="1488081" y="3307451"/>
+            <a:off x="1203956" y="3307451"/>
             <a:ext cx="457200" cy="457200"/>
           </a:xfrm>
           <a:prstGeom prst="rect">
@@ -13396,7 +13327,7 @@
         </p:blipFill>
         <p:spPr>
           <a:xfrm>
-            <a:off x="430549" y="3787613"/>
+            <a:off x="146424" y="3787613"/>
             <a:ext cx="457200" cy="457200"/>
           </a:xfrm>
           <a:prstGeom prst="rect">
@@ -13426,7 +13357,7 @@
         </p:blipFill>
         <p:spPr>
           <a:xfrm>
-            <a:off x="1475108" y="3787613"/>
+            <a:off x="1190983" y="3787613"/>
             <a:ext cx="406349" cy="406349"/>
           </a:xfrm>
           <a:prstGeom prst="rect">
@@ -13456,7 +13387,7 @@
         </p:blipFill>
         <p:spPr>
           <a:xfrm>
-            <a:off x="7052794" y="3406613"/>
+            <a:off x="7555085" y="3253136"/>
             <a:ext cx="609600" cy="609600"/>
           </a:xfrm>
           <a:prstGeom prst="rect">
@@ -13486,7 +13417,7 @@
         </p:blipFill>
         <p:spPr>
           <a:xfrm>
-            <a:off x="10210722" y="3308010"/>
+            <a:off x="10476537" y="3179959"/>
             <a:ext cx="812698" cy="812698"/>
           </a:xfrm>
           <a:prstGeom prst="rect">
@@ -13502,7 +13433,7 @@
         </p:nvCxnSpPr>
         <p:spPr>
           <a:xfrm>
-            <a:off x="9570997" y="3710691"/>
+            <a:off x="9836812" y="3582640"/>
             <a:ext cx="518560" cy="0"/>
           </a:xfrm>
           <a:prstGeom prst="straightConnector1">
@@ -13535,8 +13466,8 @@
         </p:nvSpPr>
         <p:spPr>
           <a:xfrm>
-            <a:off x="4107619" y="2508876"/>
-            <a:ext cx="1826141" cy="369332"/>
+            <a:off x="2145500" y="2086712"/>
+            <a:ext cx="1107996" cy="646331"/>
           </a:xfrm>
           <a:prstGeom prst="rect">
             <a:avLst/>
@@ -13551,7 +13482,18 @@
           <a:p>
             <a:r>
               <a:rPr lang="es-PE" dirty="0" smtClean="0"/>
-              <a:t>Precio de casas</a:t>
+              <a:t>Precio </a:t>
+            </a:r>
+            <a:endParaRPr lang="es-PE" dirty="0" smtClean="0"/>
+          </a:p>
+          <a:p>
+            <a:r>
+              <a:rPr lang="es-PE" dirty="0" smtClean="0"/>
+              <a:t>de </a:t>
+            </a:r>
+            <a:r>
+              <a:rPr lang="es-PE" dirty="0" smtClean="0"/>
+              <a:t>casas</a:t>
             </a:r>
             <a:endParaRPr lang="es-PE" dirty="0"/>
           </a:p>
@@ -13565,7 +13507,7 @@
         </p:nvSpPr>
         <p:spPr>
           <a:xfrm>
-            <a:off x="9496444" y="2252091"/>
+            <a:off x="9841045" y="2296600"/>
             <a:ext cx="2364750" cy="646331"/>
           </a:xfrm>
           <a:prstGeom prst="rect">
@@ -13592,6 +13534,565 @@
           </a:p>
         </p:txBody>
       </p:sp>
+      <p:pic>
+        <p:nvPicPr>
+          <p:cNvPr id="28" name="Imagen 27"/>
+          <p:cNvPicPr>
+            <a:picLocks noChangeAspect="1"/>
+          </p:cNvPicPr>
+          <p:nvPr/>
+        </p:nvPicPr>
+        <p:blipFill>
+          <a:blip r:embed="rId3">
+            <a:extLst>
+              <a:ext uri="{28A0092B-C50C-407E-A947-70E740481C1C}">
+                <a14:useLocalDpi xmlns:a14="http://schemas.microsoft.com/office/drawing/2010/main" val="0"/>
+              </a:ext>
+            </a:extLst>
+          </a:blip>
+          <a:stretch>
+            <a:fillRect/>
+          </a:stretch>
+        </p:blipFill>
+        <p:spPr>
+          <a:xfrm>
+            <a:off x="2474936" y="3283838"/>
+            <a:ext cx="479485" cy="479485"/>
+          </a:xfrm>
+          <a:prstGeom prst="rect">
+            <a:avLst/>
+          </a:prstGeom>
+        </p:spPr>
+      </p:pic>
+      <p:pic>
+        <p:nvPicPr>
+          <p:cNvPr id="29" name="Imagen 28"/>
+          <p:cNvPicPr>
+            <a:picLocks noChangeAspect="1"/>
+          </p:cNvPicPr>
+          <p:nvPr/>
+        </p:nvPicPr>
+        <p:blipFill>
+          <a:blip r:embed="rId3">
+            <a:extLst>
+              <a:ext uri="{28A0092B-C50C-407E-A947-70E740481C1C}">
+                <a14:useLocalDpi xmlns:a14="http://schemas.microsoft.com/office/drawing/2010/main" val="0"/>
+              </a:ext>
+            </a:extLst>
+          </a:blip>
+          <a:stretch>
+            <a:fillRect/>
+          </a:stretch>
+        </p:blipFill>
+        <p:spPr>
+          <a:xfrm>
+            <a:off x="2474936" y="3788099"/>
+            <a:ext cx="479485" cy="479485"/>
+          </a:xfrm>
+          <a:prstGeom prst="rect">
+            <a:avLst/>
+          </a:prstGeom>
+        </p:spPr>
+      </p:pic>
+      <p:pic>
+        <p:nvPicPr>
+          <p:cNvPr id="30" name="Imagen 29"/>
+          <p:cNvPicPr>
+            <a:picLocks noChangeAspect="1"/>
+          </p:cNvPicPr>
+          <p:nvPr/>
+        </p:nvPicPr>
+        <p:blipFill>
+          <a:blip r:embed="rId3">
+            <a:extLst>
+              <a:ext uri="{28A0092B-C50C-407E-A947-70E740481C1C}">
+                <a14:useLocalDpi xmlns:a14="http://schemas.microsoft.com/office/drawing/2010/main" val="0"/>
+              </a:ext>
+            </a:extLst>
+          </a:blip>
+          <a:stretch>
+            <a:fillRect/>
+          </a:stretch>
+        </p:blipFill>
+        <p:spPr>
+          <a:xfrm>
+            <a:off x="2474936" y="4342917"/>
+            <a:ext cx="479485" cy="479485"/>
+          </a:xfrm>
+          <a:prstGeom prst="rect">
+            <a:avLst/>
+          </a:prstGeom>
+        </p:spPr>
+      </p:pic>
+      <p:sp>
+        <p:nvSpPr>
+          <p:cNvPr id="32" name="CuadroTexto 31"/>
+          <p:cNvSpPr txBox="1"/>
+          <p:nvPr/>
+        </p:nvSpPr>
+        <p:spPr>
+          <a:xfrm>
+            <a:off x="1396788" y="1547638"/>
+            <a:ext cx="1009635" cy="369332"/>
+          </a:xfrm>
+          <a:prstGeom prst="rect">
+            <a:avLst/>
+          </a:prstGeom>
+          <a:noFill/>
+        </p:spPr>
+        <p:txBody>
+          <a:bodyPr wrap="none" rtlCol="0">
+            <a:spAutoFit/>
+          </a:bodyPr>
+          <a:lstStyle/>
+          <a:p>
+            <a:r>
+              <a:rPr lang="es-PE" dirty="0" smtClean="0"/>
+              <a:t>Training</a:t>
+            </a:r>
+            <a:endParaRPr lang="es-PE" dirty="0"/>
+          </a:p>
+        </p:txBody>
+      </p:sp>
+      <p:sp>
+        <p:nvSpPr>
+          <p:cNvPr id="33" name="CuadroTexto 32"/>
+          <p:cNvSpPr txBox="1"/>
+          <p:nvPr/>
+        </p:nvSpPr>
+        <p:spPr>
+          <a:xfrm>
+            <a:off x="5359266" y="1546527"/>
+            <a:ext cx="607923" cy="369332"/>
+          </a:xfrm>
+          <a:prstGeom prst="rect">
+            <a:avLst/>
+          </a:prstGeom>
+          <a:noFill/>
+        </p:spPr>
+        <p:txBody>
+          <a:bodyPr wrap="none" rtlCol="0">
+            <a:spAutoFit/>
+          </a:bodyPr>
+          <a:lstStyle/>
+          <a:p>
+            <a:r>
+              <a:rPr lang="es-PE" dirty="0" smtClean="0"/>
+              <a:t>Test</a:t>
+            </a:r>
+            <a:endParaRPr lang="es-PE" dirty="0"/>
+          </a:p>
+        </p:txBody>
+      </p:sp>
+      <p:sp>
+        <p:nvSpPr>
+          <p:cNvPr id="34" name="CuadroTexto 33"/>
+          <p:cNvSpPr txBox="1"/>
+          <p:nvPr/>
+        </p:nvSpPr>
+        <p:spPr>
+          <a:xfrm>
+            <a:off x="9016544" y="1536445"/>
+            <a:ext cx="1338828" cy="369332"/>
+          </a:xfrm>
+          <a:prstGeom prst="rect">
+            <a:avLst/>
+          </a:prstGeom>
+          <a:noFill/>
+        </p:spPr>
+        <p:txBody>
+          <a:bodyPr wrap="none" rtlCol="0">
+            <a:spAutoFit/>
+          </a:bodyPr>
+          <a:lstStyle/>
+          <a:p>
+            <a:r>
+              <a:rPr lang="es-PE" dirty="0" smtClean="0"/>
+              <a:t>Despliegue</a:t>
+            </a:r>
+            <a:endParaRPr lang="es-PE" dirty="0"/>
+          </a:p>
+        </p:txBody>
+      </p:sp>
+      <p:cxnSp>
+        <p:nvCxnSpPr>
+          <p:cNvPr id="36" name="Conector recto 35"/>
+          <p:cNvCxnSpPr/>
+          <p:nvPr/>
+        </p:nvCxnSpPr>
+        <p:spPr>
+          <a:xfrm>
+            <a:off x="4409011" y="388699"/>
+            <a:ext cx="0" cy="5954044"/>
+          </a:xfrm>
+          <a:prstGeom prst="line">
+            <a:avLst/>
+          </a:prstGeom>
+        </p:spPr>
+        <p:style>
+          <a:lnRef idx="1">
+            <a:schemeClr val="accent1"/>
+          </a:lnRef>
+          <a:fillRef idx="0">
+            <a:schemeClr val="accent1"/>
+          </a:fillRef>
+          <a:effectRef idx="0">
+            <a:schemeClr val="accent1"/>
+          </a:effectRef>
+          <a:fontRef idx="minor">
+            <a:schemeClr val="tx1"/>
+          </a:fontRef>
+        </p:style>
+      </p:cxnSp>
+      <p:cxnSp>
+        <p:nvCxnSpPr>
+          <p:cNvPr id="37" name="Conector recto 36"/>
+          <p:cNvCxnSpPr/>
+          <p:nvPr/>
+        </p:nvCxnSpPr>
+        <p:spPr>
+          <a:xfrm>
+            <a:off x="7333639" y="397090"/>
+            <a:ext cx="0" cy="5954044"/>
+          </a:xfrm>
+          <a:prstGeom prst="line">
+            <a:avLst/>
+          </a:prstGeom>
+        </p:spPr>
+        <p:style>
+          <a:lnRef idx="1">
+            <a:schemeClr val="accent1"/>
+          </a:lnRef>
+          <a:fillRef idx="0">
+            <a:schemeClr val="accent1"/>
+          </a:fillRef>
+          <a:effectRef idx="0">
+            <a:schemeClr val="accent1"/>
+          </a:effectRef>
+          <a:fontRef idx="minor">
+            <a:schemeClr val="tx1"/>
+          </a:fontRef>
+        </p:style>
+      </p:cxnSp>
+      <p:pic>
+        <p:nvPicPr>
+          <p:cNvPr id="38" name="Imagen 37"/>
+          <p:cNvPicPr>
+            <a:picLocks noChangeAspect="1"/>
+          </p:cNvPicPr>
+          <p:nvPr/>
+        </p:nvPicPr>
+        <p:blipFill>
+          <a:blip r:embed="rId2">
+            <a:extLst>
+              <a:ext uri="{28A0092B-C50C-407E-A947-70E740481C1C}">
+                <a14:useLocalDpi xmlns:a14="http://schemas.microsoft.com/office/drawing/2010/main" val="0"/>
+              </a:ext>
+            </a:extLst>
+          </a:blip>
+          <a:stretch>
+            <a:fillRect/>
+          </a:stretch>
+        </p:blipFill>
+        <p:spPr>
+          <a:xfrm>
+            <a:off x="5562239" y="3131818"/>
+            <a:ext cx="952500" cy="952500"/>
+          </a:xfrm>
+          <a:prstGeom prst="rect">
+            <a:avLst/>
+          </a:prstGeom>
+        </p:spPr>
+      </p:pic>
+      <p:pic>
+        <p:nvPicPr>
+          <p:cNvPr id="40" name="Imagen 39"/>
+          <p:cNvPicPr>
+            <a:picLocks noChangeAspect="1"/>
+          </p:cNvPicPr>
+          <p:nvPr/>
+        </p:nvPicPr>
+        <p:blipFill>
+          <a:blip r:embed="rId8">
+            <a:extLst>
+              <a:ext uri="{BEBA8EAE-BF5A-486C-A8C5-ECC9F3942E4B}">
+                <a14:imgProps xmlns:a14="http://schemas.microsoft.com/office/drawing/2010/main">
+                  <a14:imgLayer r:embed="rId9">
+                    <a14:imgEffect>
+                      <a14:saturation sat="33000"/>
+                    </a14:imgEffect>
+                  </a14:imgLayer>
+                </a14:imgProps>
+              </a:ext>
+              <a:ext uri="{28A0092B-C50C-407E-A947-70E740481C1C}">
+                <a14:useLocalDpi xmlns:a14="http://schemas.microsoft.com/office/drawing/2010/main" val="0"/>
+              </a:ext>
+            </a:extLst>
+          </a:blip>
+          <a:stretch>
+            <a:fillRect/>
+          </a:stretch>
+        </p:blipFill>
+        <p:spPr>
+          <a:xfrm>
+            <a:off x="4644786" y="3840128"/>
+            <a:ext cx="406349" cy="406349"/>
+          </a:xfrm>
+          <a:prstGeom prst="rect">
+            <a:avLst/>
+          </a:prstGeom>
+        </p:spPr>
+      </p:pic>
+      <p:pic>
+        <p:nvPicPr>
+          <p:cNvPr id="42" name="Imagen 41"/>
+          <p:cNvPicPr>
+            <a:picLocks noChangeAspect="1"/>
+          </p:cNvPicPr>
+          <p:nvPr/>
+        </p:nvPicPr>
+        <p:blipFill>
+          <a:blip r:embed="rId5">
+            <a:extLst>
+              <a:ext uri="{28A0092B-C50C-407E-A947-70E740481C1C}">
+                <a14:useLocalDpi xmlns:a14="http://schemas.microsoft.com/office/drawing/2010/main" val="0"/>
+              </a:ext>
+            </a:extLst>
+          </a:blip>
+          <a:stretch>
+            <a:fillRect/>
+          </a:stretch>
+        </p:blipFill>
+        <p:spPr>
+          <a:xfrm>
+            <a:off x="4558587" y="4376226"/>
+            <a:ext cx="609524" cy="419048"/>
+          </a:xfrm>
+          <a:prstGeom prst="rect">
+            <a:avLst/>
+          </a:prstGeom>
+        </p:spPr>
+      </p:pic>
+      <p:pic>
+        <p:nvPicPr>
+          <p:cNvPr id="43" name="Imagen 42"/>
+          <p:cNvPicPr>
+            <a:picLocks noChangeAspect="1"/>
+          </p:cNvPicPr>
+          <p:nvPr/>
+        </p:nvPicPr>
+        <p:blipFill>
+          <a:blip r:embed="rId4">
+            <a:duotone>
+              <a:prstClr val="black"/>
+              <a:schemeClr val="accent1">
+                <a:tint val="45000"/>
+                <a:satMod val="400000"/>
+              </a:schemeClr>
+            </a:duotone>
+            <a:extLst>
+              <a:ext uri="{28A0092B-C50C-407E-A947-70E740481C1C}">
+                <a14:useLocalDpi xmlns:a14="http://schemas.microsoft.com/office/drawing/2010/main" val="0"/>
+              </a:ext>
+            </a:extLst>
+          </a:blip>
+          <a:stretch>
+            <a:fillRect/>
+          </a:stretch>
+        </p:blipFill>
+        <p:spPr>
+          <a:xfrm>
+            <a:off x="4637003" y="2858720"/>
+            <a:ext cx="406349" cy="406349"/>
+          </a:xfrm>
+          <a:prstGeom prst="rect">
+            <a:avLst/>
+          </a:prstGeom>
+        </p:spPr>
+      </p:pic>
+      <p:pic>
+        <p:nvPicPr>
+          <p:cNvPr id="44" name="Imagen 43"/>
+          <p:cNvPicPr>
+            <a:picLocks noChangeAspect="1"/>
+          </p:cNvPicPr>
+          <p:nvPr/>
+        </p:nvPicPr>
+        <p:blipFill>
+          <a:blip r:embed="rId6">
+            <a:extLst>
+              <a:ext uri="{28A0092B-C50C-407E-A947-70E740481C1C}">
+                <a14:useLocalDpi xmlns:a14="http://schemas.microsoft.com/office/drawing/2010/main" val="0"/>
+              </a:ext>
+            </a:extLst>
+          </a:blip>
+          <a:stretch>
+            <a:fillRect/>
+          </a:stretch>
+        </p:blipFill>
+        <p:spPr>
+          <a:xfrm>
+            <a:off x="4586152" y="3343287"/>
+            <a:ext cx="457200" cy="457200"/>
+          </a:xfrm>
+          <a:prstGeom prst="rect">
+            <a:avLst/>
+          </a:prstGeom>
+        </p:spPr>
+      </p:pic>
+      <p:pic>
+        <p:nvPicPr>
+          <p:cNvPr id="49" name="Imagen 48"/>
+          <p:cNvPicPr>
+            <a:picLocks noChangeAspect="1"/>
+          </p:cNvPicPr>
+          <p:nvPr/>
+        </p:nvPicPr>
+        <p:blipFill>
+          <a:blip r:embed="rId3">
+            <a:extLst>
+              <a:ext uri="{28A0092B-C50C-407E-A947-70E740481C1C}">
+                <a14:useLocalDpi xmlns:a14="http://schemas.microsoft.com/office/drawing/2010/main" val="0"/>
+              </a:ext>
+            </a:extLst>
+          </a:blip>
+          <a:stretch>
+            <a:fillRect/>
+          </a:stretch>
+        </p:blipFill>
+        <p:spPr>
+          <a:xfrm>
+            <a:off x="6639031" y="2604428"/>
+            <a:ext cx="479485" cy="479485"/>
+          </a:xfrm>
+          <a:prstGeom prst="rect">
+            <a:avLst/>
+          </a:prstGeom>
+        </p:spPr>
+      </p:pic>
+      <p:pic>
+        <p:nvPicPr>
+          <p:cNvPr id="50" name="Imagen 49"/>
+          <p:cNvPicPr>
+            <a:picLocks noChangeAspect="1"/>
+          </p:cNvPicPr>
+          <p:nvPr/>
+        </p:nvPicPr>
+        <p:blipFill>
+          <a:blip r:embed="rId3">
+            <a:extLst>
+              <a:ext uri="{28A0092B-C50C-407E-A947-70E740481C1C}">
+                <a14:useLocalDpi xmlns:a14="http://schemas.microsoft.com/office/drawing/2010/main" val="0"/>
+              </a:ext>
+            </a:extLst>
+          </a:blip>
+          <a:stretch>
+            <a:fillRect/>
+          </a:stretch>
+        </p:blipFill>
+        <p:spPr>
+          <a:xfrm>
+            <a:off x="6639031" y="3126367"/>
+            <a:ext cx="479485" cy="479485"/>
+          </a:xfrm>
+          <a:prstGeom prst="rect">
+            <a:avLst/>
+          </a:prstGeom>
+        </p:spPr>
+      </p:pic>
+      <p:pic>
+        <p:nvPicPr>
+          <p:cNvPr id="51" name="Imagen 50"/>
+          <p:cNvPicPr>
+            <a:picLocks noChangeAspect="1"/>
+          </p:cNvPicPr>
+          <p:nvPr/>
+        </p:nvPicPr>
+        <p:blipFill>
+          <a:blip r:embed="rId3">
+            <a:extLst>
+              <a:ext uri="{28A0092B-C50C-407E-A947-70E740481C1C}">
+                <a14:useLocalDpi xmlns:a14="http://schemas.microsoft.com/office/drawing/2010/main" val="0"/>
+              </a:ext>
+            </a:extLst>
+          </a:blip>
+          <a:stretch>
+            <a:fillRect/>
+          </a:stretch>
+        </p:blipFill>
+        <p:spPr>
+          <a:xfrm>
+            <a:off x="6639031" y="3688335"/>
+            <a:ext cx="479485" cy="479485"/>
+          </a:xfrm>
+          <a:prstGeom prst="rect">
+            <a:avLst/>
+          </a:prstGeom>
+        </p:spPr>
+      </p:pic>
+      <p:pic>
+        <p:nvPicPr>
+          <p:cNvPr id="53" name="Imagen 52"/>
+          <p:cNvPicPr>
+            <a:picLocks noChangeAspect="1"/>
+          </p:cNvPicPr>
+          <p:nvPr/>
+        </p:nvPicPr>
+        <p:blipFill>
+          <a:blip r:embed="rId3">
+            <a:extLst>
+              <a:ext uri="{28A0092B-C50C-407E-A947-70E740481C1C}">
+                <a14:useLocalDpi xmlns:a14="http://schemas.microsoft.com/office/drawing/2010/main" val="0"/>
+              </a:ext>
+            </a:extLst>
+          </a:blip>
+          <a:stretch>
+            <a:fillRect/>
+          </a:stretch>
+        </p:blipFill>
+        <p:spPr>
+          <a:xfrm>
+            <a:off x="6639031" y="4221633"/>
+            <a:ext cx="479485" cy="479485"/>
+          </a:xfrm>
+          <a:prstGeom prst="rect">
+            <a:avLst/>
+          </a:prstGeom>
+        </p:spPr>
+      </p:pic>
+      <p:cxnSp>
+        <p:nvCxnSpPr>
+          <p:cNvPr id="54" name="Conector recto de flecha 53"/>
+          <p:cNvCxnSpPr/>
+          <p:nvPr/>
+        </p:nvCxnSpPr>
+        <p:spPr>
+          <a:xfrm>
+            <a:off x="5168111" y="3638347"/>
+            <a:ext cx="360000" cy="0"/>
+          </a:xfrm>
+          <a:prstGeom prst="straightConnector1">
+            <a:avLst/>
+          </a:prstGeom>
+          <a:ln>
+            <a:tailEnd type="triangle"/>
+          </a:ln>
+        </p:spPr>
+        <p:style>
+          <a:lnRef idx="1">
+            <a:schemeClr val="accent1"/>
+          </a:lnRef>
+          <a:fillRef idx="0">
+            <a:schemeClr val="accent1"/>
+          </a:fillRef>
+          <a:effectRef idx="0">
+            <a:schemeClr val="accent1"/>
+          </a:effectRef>
+          <a:fontRef idx="minor">
+            <a:schemeClr val="tx1"/>
+          </a:fontRef>
+        </p:style>
+      </p:cxnSp>
     </p:spTree>
     <p:extLst>
       <p:ext uri="{BB962C8B-B14F-4D97-AF65-F5344CB8AC3E}">
@@ -14463,73 +14964,6 @@
 <file path=ppt/slides/slide17.xml><?xml version="1.0" encoding="utf-8"?>
 <p:sld xmlns:a="http://schemas.openxmlformats.org/drawingml/2006/main" xmlns:r="http://schemas.openxmlformats.org/officeDocument/2006/relationships" xmlns:p="http://schemas.openxmlformats.org/presentationml/2006/main">
   <p:cSld>
-    <p:spTree>
-      <p:nvGrpSpPr>
-        <p:cNvPr id="1" name=""/>
-        <p:cNvGrpSpPr/>
-        <p:nvPr/>
-      </p:nvGrpSpPr>
-      <p:grpSpPr>
-        <a:xfrm>
-          <a:off x="0" y="0"/>
-          <a:ext cx="0" cy="0"/>
-          <a:chOff x="0" y="0"/>
-          <a:chExt cx="0" cy="0"/>
-        </a:xfrm>
-      </p:grpSpPr>
-      <p:cxnSp>
-        <p:nvCxnSpPr>
-          <p:cNvPr id="4" name="Conector recto 3"/>
-          <p:cNvCxnSpPr/>
-          <p:nvPr/>
-        </p:nvCxnSpPr>
-        <p:spPr>
-          <a:xfrm>
-            <a:off x="-1" y="15498"/>
-            <a:ext cx="8640000" cy="0"/>
-          </a:xfrm>
-          <a:prstGeom prst="line">
-            <a:avLst/>
-          </a:prstGeom>
-        </p:spPr>
-        <p:style>
-          <a:lnRef idx="1">
-            <a:schemeClr val="accent1"/>
-          </a:lnRef>
-          <a:fillRef idx="0">
-            <a:schemeClr val="accent1"/>
-          </a:fillRef>
-          <a:effectRef idx="0">
-            <a:schemeClr val="accent1"/>
-          </a:effectRef>
-          <a:fontRef idx="minor">
-            <a:schemeClr val="tx1"/>
-          </a:fontRef>
-        </p:style>
-      </p:cxnSp>
-    </p:spTree>
-    <p:extLst>
-      <p:ext uri="{BB962C8B-B14F-4D97-AF65-F5344CB8AC3E}">
-        <p14:creationId xmlns:p14="http://schemas.microsoft.com/office/powerpoint/2010/main" val="1403519664"/>
-      </p:ext>
-    </p:extLst>
-  </p:cSld>
-  <p:clrMapOvr>
-    <a:masterClrMapping/>
-  </p:clrMapOvr>
-  <p:timing>
-    <p:tnLst>
-      <p:par>
-        <p:cTn id="1" dur="indefinite" restart="never" nodeType="tmRoot"/>
-      </p:par>
-    </p:tnLst>
-  </p:timing>
-</p:sld>
-</file>
-
-<file path=ppt/slides/slide18.xml><?xml version="1.0" encoding="utf-8"?>
-<p:sld xmlns:a="http://schemas.openxmlformats.org/drawingml/2006/main" xmlns:r="http://schemas.openxmlformats.org/officeDocument/2006/relationships" xmlns:p="http://schemas.openxmlformats.org/presentationml/2006/main">
-  <p:cSld>
     <p:bg>
       <p:bgPr>
         <a:gradFill flip="none" rotWithShape="1">
@@ -15223,6 +15657,972 @@
           </a:extLst>
         </p:spPr>
       </p:pic>
+    </p:spTree>
+  </p:cSld>
+  <p:clrMapOvr>
+    <a:masterClrMapping/>
+  </p:clrMapOvr>
+  <p:timing>
+    <p:tnLst>
+      <p:par>
+        <p:cTn id="1" dur="indefinite" restart="never" nodeType="tmRoot">
+          <p:childTnLst>
+            <p:seq>
+              <p:cTn id="2" nodeType="mainSeq"/>
+              <p:prevCondLst>
+                <p:cond evt="onPrev" delay="0">
+                  <p:tgtEl>
+                    <p:sldTgt/>
+                  </p:tgtEl>
+                </p:cond>
+              </p:prevCondLst>
+              <p:nextCondLst>
+                <p:cond evt="onNext" delay="0">
+                  <p:tgtEl>
+                    <p:sldTgt/>
+                  </p:tgtEl>
+                </p:cond>
+              </p:nextCondLst>
+            </p:seq>
+          </p:childTnLst>
+        </p:cTn>
+      </p:par>
+    </p:tnLst>
+  </p:timing>
+</p:sld>
+</file>
+
+<file path=ppt/slides/slide18.xml><?xml version="1.0" encoding="utf-8"?>
+<p:sld xmlns:a="http://schemas.openxmlformats.org/drawingml/2006/main" xmlns:r="http://schemas.openxmlformats.org/officeDocument/2006/relationships" xmlns:p="http://schemas.openxmlformats.org/presentationml/2006/main">
+  <p:cSld>
+    <p:spTree>
+      <p:nvGrpSpPr>
+        <p:cNvPr id="1" name=""/>
+        <p:cNvGrpSpPr/>
+        <p:nvPr/>
+      </p:nvGrpSpPr>
+      <p:grpSpPr>
+        <a:xfrm>
+          <a:off x="0" y="0"/>
+          <a:ext cx="0" cy="0"/>
+          <a:chOff x="0" y="0"/>
+          <a:chExt cx="0" cy="0"/>
+        </a:xfrm>
+      </p:grpSpPr>
+      <p:sp>
+        <p:nvSpPr>
+          <p:cNvPr id="131" name="TextShape 1"/>
+          <p:cNvSpPr txBox="1"/>
+          <p:nvPr/>
+        </p:nvSpPr>
+        <p:spPr>
+          <a:xfrm>
+            <a:off x="3004371" y="213840"/>
+            <a:ext cx="5781460" cy="720400"/>
+          </a:xfrm>
+          <a:prstGeom prst="rect">
+            <a:avLst/>
+          </a:prstGeom>
+          <a:noFill/>
+          <a:ln>
+            <a:noFill/>
+          </a:ln>
+        </p:spPr>
+        <p:txBody>
+          <a:bodyPr anchor="ctr"/>
+          <a:lstStyle/>
+          <a:p>
+            <a:pPr>
+              <a:lnSpc>
+                <a:spcPct val="90000"/>
+              </a:lnSpc>
+            </a:pPr>
+            <a:r>
+              <a:rPr lang="es-PE" sz="4400" b="0" strike="noStrike" spc="-1" dirty="0">
+                <a:solidFill>
+                  <a:srgbClr val="000000"/>
+                </a:solidFill>
+                <a:uFill>
+                  <a:solidFill>
+                    <a:srgbClr val="FFFFFF"/>
+                  </a:solidFill>
+                </a:uFill>
+                <a:latin typeface="Calibri Light"/>
+              </a:rPr>
+              <a:t>Metodología CRISP-DM</a:t>
+            </a:r>
+            <a:endParaRPr lang="es-PE" sz="1800" b="0" strike="noStrike" spc="-1" dirty="0">
+              <a:solidFill>
+                <a:srgbClr val="000000"/>
+              </a:solidFill>
+              <a:uFill>
+                <a:solidFill>
+                  <a:srgbClr val="FFFFFF"/>
+                </a:solidFill>
+              </a:uFill>
+              <a:latin typeface="Calibri"/>
+            </a:endParaRPr>
+          </a:p>
+        </p:txBody>
+      </p:sp>
+      <p:sp>
+        <p:nvSpPr>
+          <p:cNvPr id="132" name="CustomShape 2"/>
+          <p:cNvSpPr/>
+          <p:nvPr/>
+        </p:nvSpPr>
+        <p:spPr>
+          <a:xfrm>
+            <a:off x="2927160" y="1212200"/>
+            <a:ext cx="1800000" cy="1800000"/>
+          </a:xfrm>
+          <a:prstGeom prst="ellipse">
+            <a:avLst/>
+          </a:prstGeom>
+          <a:solidFill>
+            <a:schemeClr val="accent3"/>
+          </a:solidFill>
+          <a:ln>
+            <a:solidFill>
+              <a:schemeClr val="bg1"/>
+            </a:solidFill>
+          </a:ln>
+        </p:spPr>
+        <p:style>
+          <a:lnRef idx="2">
+            <a:schemeClr val="accent1">
+              <a:shade val="50000"/>
+            </a:schemeClr>
+          </a:lnRef>
+          <a:fillRef idx="1">
+            <a:schemeClr val="accent1"/>
+          </a:fillRef>
+          <a:effectRef idx="0">
+            <a:schemeClr val="accent1"/>
+          </a:effectRef>
+          <a:fontRef idx="minor"/>
+        </p:style>
+        <p:txBody>
+          <a:bodyPr lIns="90000" tIns="45000" rIns="90000" bIns="45000" anchor="ctr"/>
+          <a:lstStyle/>
+          <a:p>
+            <a:pPr algn="ctr">
+              <a:lnSpc>
+                <a:spcPct val="100000"/>
+              </a:lnSpc>
+            </a:pPr>
+            <a:r>
+              <a:rPr lang="es-PE" sz="1800" b="0" strike="noStrike" spc="-1" dirty="0">
+                <a:solidFill>
+                  <a:srgbClr val="FFFFFF"/>
+                </a:solidFill>
+                <a:uFill>
+                  <a:solidFill>
+                    <a:srgbClr val="FFFFFF"/>
+                  </a:solidFill>
+                </a:uFill>
+                <a:latin typeface="Calibri"/>
+              </a:rPr>
+              <a:t>Conocimiento del negocio</a:t>
+            </a:r>
+            <a:endParaRPr lang="es-PE" sz="1800" b="0" strike="noStrike" spc="-1" dirty="0">
+              <a:solidFill>
+                <a:srgbClr val="000000"/>
+              </a:solidFill>
+              <a:uFill>
+                <a:solidFill>
+                  <a:srgbClr val="FFFFFF"/>
+                </a:solidFill>
+              </a:uFill>
+              <a:latin typeface="Arial"/>
+            </a:endParaRPr>
+          </a:p>
+        </p:txBody>
+      </p:sp>
+      <p:sp>
+        <p:nvSpPr>
+          <p:cNvPr id="133" name="CustomShape 3"/>
+          <p:cNvSpPr/>
+          <p:nvPr/>
+        </p:nvSpPr>
+        <p:spPr>
+          <a:xfrm>
+            <a:off x="6372260" y="1212200"/>
+            <a:ext cx="1800000" cy="1800000"/>
+          </a:xfrm>
+          <a:prstGeom prst="ellipse">
+            <a:avLst/>
+          </a:prstGeom>
+          <a:ln/>
+        </p:spPr>
+        <p:style>
+          <a:lnRef idx="2">
+            <a:schemeClr val="accent1">
+              <a:shade val="50000"/>
+            </a:schemeClr>
+          </a:lnRef>
+          <a:fillRef idx="1">
+            <a:schemeClr val="accent1"/>
+          </a:fillRef>
+          <a:effectRef idx="0">
+            <a:schemeClr val="accent1"/>
+          </a:effectRef>
+          <a:fontRef idx="minor"/>
+        </p:style>
+        <p:txBody>
+          <a:bodyPr wrap="none" lIns="90000" tIns="45000" rIns="90000" bIns="45000" anchor="ctr"/>
+          <a:lstStyle/>
+          <a:p>
+            <a:pPr algn="ctr">
+              <a:lnSpc>
+                <a:spcPct val="100000"/>
+              </a:lnSpc>
+            </a:pPr>
+            <a:r>
+              <a:rPr lang="es-PE" sz="1800" b="0" strike="noStrike" spc="-1" dirty="0">
+                <a:solidFill>
+                  <a:srgbClr val="FFFFFF"/>
+                </a:solidFill>
+                <a:uFill>
+                  <a:solidFill>
+                    <a:srgbClr val="FFFFFF"/>
+                  </a:solidFill>
+                </a:uFill>
+                <a:latin typeface="Calibri"/>
+              </a:rPr>
+              <a:t>Entendimiento </a:t>
+            </a:r>
+            <a:endParaRPr lang="es-PE" sz="1800" b="0" strike="noStrike" spc="-1" dirty="0" smtClean="0">
+              <a:solidFill>
+                <a:srgbClr val="FFFFFF"/>
+              </a:solidFill>
+              <a:uFill>
+                <a:solidFill>
+                  <a:srgbClr val="FFFFFF"/>
+                </a:solidFill>
+              </a:uFill>
+              <a:latin typeface="Calibri"/>
+            </a:endParaRPr>
+          </a:p>
+          <a:p>
+            <a:pPr algn="ctr">
+              <a:lnSpc>
+                <a:spcPct val="100000"/>
+              </a:lnSpc>
+            </a:pPr>
+            <a:r>
+              <a:rPr lang="es-PE" sz="1800" b="0" strike="noStrike" spc="-1" dirty="0" smtClean="0">
+                <a:solidFill>
+                  <a:srgbClr val="FFFFFF"/>
+                </a:solidFill>
+                <a:uFill>
+                  <a:solidFill>
+                    <a:srgbClr val="FFFFFF"/>
+                  </a:solidFill>
+                </a:uFill>
+                <a:latin typeface="Calibri"/>
+              </a:rPr>
+              <a:t>de </a:t>
+            </a:r>
+            <a:r>
+              <a:rPr lang="es-PE" sz="1800" b="0" strike="noStrike" spc="-1" dirty="0">
+                <a:solidFill>
+                  <a:srgbClr val="FFFFFF"/>
+                </a:solidFill>
+                <a:uFill>
+                  <a:solidFill>
+                    <a:srgbClr val="FFFFFF"/>
+                  </a:solidFill>
+                </a:uFill>
+                <a:latin typeface="Calibri"/>
+              </a:rPr>
+              <a:t>los Datos</a:t>
+            </a:r>
+            <a:endParaRPr lang="es-PE" sz="1800" b="0" strike="noStrike" spc="-1" dirty="0">
+              <a:solidFill>
+                <a:srgbClr val="000000"/>
+              </a:solidFill>
+              <a:uFill>
+                <a:solidFill>
+                  <a:srgbClr val="FFFFFF"/>
+                </a:solidFill>
+              </a:uFill>
+              <a:latin typeface="Arial"/>
+            </a:endParaRPr>
+          </a:p>
+        </p:txBody>
+      </p:sp>
+      <p:sp>
+        <p:nvSpPr>
+          <p:cNvPr id="134" name="CustomShape 4"/>
+          <p:cNvSpPr/>
+          <p:nvPr/>
+        </p:nvSpPr>
+        <p:spPr>
+          <a:xfrm>
+            <a:off x="8836920" y="2399120"/>
+            <a:ext cx="1802880" cy="1828440"/>
+          </a:xfrm>
+          <a:prstGeom prst="ellipse">
+            <a:avLst/>
+          </a:prstGeom>
+          <a:solidFill>
+            <a:schemeClr val="accent2">
+              <a:lumMod val="75000"/>
+            </a:schemeClr>
+          </a:solidFill>
+          <a:ln>
+            <a:solidFill>
+              <a:schemeClr val="bg1"/>
+            </a:solidFill>
+          </a:ln>
+        </p:spPr>
+        <p:style>
+          <a:lnRef idx="2">
+            <a:schemeClr val="accent1">
+              <a:shade val="50000"/>
+            </a:schemeClr>
+          </a:lnRef>
+          <a:fillRef idx="1">
+            <a:schemeClr val="accent1"/>
+          </a:fillRef>
+          <a:effectRef idx="0">
+            <a:schemeClr val="accent1"/>
+          </a:effectRef>
+          <a:fontRef idx="minor"/>
+        </p:style>
+        <p:txBody>
+          <a:bodyPr wrap="none" lIns="90000" tIns="45000" rIns="90000" bIns="45000" anchor="ctr"/>
+          <a:lstStyle/>
+          <a:p>
+            <a:pPr algn="ctr">
+              <a:lnSpc>
+                <a:spcPct val="100000"/>
+              </a:lnSpc>
+            </a:pPr>
+            <a:r>
+              <a:rPr lang="es-PE" sz="1800" b="0" strike="noStrike" spc="-1" dirty="0">
+                <a:solidFill>
+                  <a:srgbClr val="FFFFFF"/>
+                </a:solidFill>
+                <a:uFill>
+                  <a:solidFill>
+                    <a:srgbClr val="FFFFFF"/>
+                  </a:solidFill>
+                </a:uFill>
+                <a:latin typeface="Calibri"/>
+              </a:rPr>
+              <a:t>Preparación </a:t>
+            </a:r>
+            <a:endParaRPr lang="es-PE" sz="1800" b="0" strike="noStrike" spc="-1" dirty="0" smtClean="0">
+              <a:solidFill>
+                <a:srgbClr val="FFFFFF"/>
+              </a:solidFill>
+              <a:uFill>
+                <a:solidFill>
+                  <a:srgbClr val="FFFFFF"/>
+                </a:solidFill>
+              </a:uFill>
+              <a:latin typeface="Calibri"/>
+            </a:endParaRPr>
+          </a:p>
+          <a:p>
+            <a:pPr algn="ctr">
+              <a:lnSpc>
+                <a:spcPct val="100000"/>
+              </a:lnSpc>
+            </a:pPr>
+            <a:r>
+              <a:rPr lang="es-PE" sz="1800" b="0" strike="noStrike" spc="-1" dirty="0" smtClean="0">
+                <a:solidFill>
+                  <a:srgbClr val="FFFFFF"/>
+                </a:solidFill>
+                <a:uFill>
+                  <a:solidFill>
+                    <a:srgbClr val="FFFFFF"/>
+                  </a:solidFill>
+                </a:uFill>
+                <a:latin typeface="Calibri"/>
+              </a:rPr>
+              <a:t>de </a:t>
+            </a:r>
+            <a:r>
+              <a:rPr lang="es-PE" sz="1800" b="0" strike="noStrike" spc="-1" dirty="0">
+                <a:solidFill>
+                  <a:srgbClr val="FFFFFF"/>
+                </a:solidFill>
+                <a:uFill>
+                  <a:solidFill>
+                    <a:srgbClr val="FFFFFF"/>
+                  </a:solidFill>
+                </a:uFill>
+                <a:latin typeface="Calibri"/>
+              </a:rPr>
+              <a:t>los datos</a:t>
+            </a:r>
+            <a:endParaRPr lang="es-PE" sz="1800" b="0" strike="noStrike" spc="-1" dirty="0">
+              <a:solidFill>
+                <a:srgbClr val="000000"/>
+              </a:solidFill>
+              <a:uFill>
+                <a:solidFill>
+                  <a:srgbClr val="FFFFFF"/>
+                </a:solidFill>
+              </a:uFill>
+              <a:latin typeface="Arial"/>
+            </a:endParaRPr>
+          </a:p>
+        </p:txBody>
+      </p:sp>
+      <p:sp>
+        <p:nvSpPr>
+          <p:cNvPr id="135" name="CustomShape 5"/>
+          <p:cNvSpPr/>
+          <p:nvPr/>
+        </p:nvSpPr>
+        <p:spPr>
+          <a:xfrm>
+            <a:off x="6552720" y="4757480"/>
+            <a:ext cx="1802880" cy="1828440"/>
+          </a:xfrm>
+          <a:prstGeom prst="ellipse">
+            <a:avLst/>
+          </a:prstGeom>
+          <a:solidFill>
+            <a:schemeClr val="accent5">
+              <a:lumMod val="75000"/>
+            </a:schemeClr>
+          </a:solidFill>
+          <a:ln>
+            <a:solidFill>
+              <a:schemeClr val="bg1"/>
+            </a:solidFill>
+          </a:ln>
+        </p:spPr>
+        <p:style>
+          <a:lnRef idx="2">
+            <a:schemeClr val="accent1">
+              <a:shade val="50000"/>
+            </a:schemeClr>
+          </a:lnRef>
+          <a:fillRef idx="1">
+            <a:schemeClr val="accent1"/>
+          </a:fillRef>
+          <a:effectRef idx="0">
+            <a:schemeClr val="accent1"/>
+          </a:effectRef>
+          <a:fontRef idx="minor"/>
+        </p:style>
+        <p:txBody>
+          <a:bodyPr lIns="90000" tIns="45000" rIns="90000" bIns="45000" anchor="ctr"/>
+          <a:lstStyle/>
+          <a:p>
+            <a:pPr algn="ctr">
+              <a:lnSpc>
+                <a:spcPct val="100000"/>
+              </a:lnSpc>
+            </a:pPr>
+            <a:r>
+              <a:rPr lang="es-PE" sz="1800" b="0" strike="noStrike" spc="-1">
+                <a:solidFill>
+                  <a:srgbClr val="FFFFFF"/>
+                </a:solidFill>
+                <a:uFill>
+                  <a:solidFill>
+                    <a:srgbClr val="FFFFFF"/>
+                  </a:solidFill>
+                </a:uFill>
+                <a:latin typeface="Calibri"/>
+              </a:rPr>
+              <a:t>Modeling</a:t>
+            </a:r>
+            <a:endParaRPr lang="es-PE" sz="1800" b="0" strike="noStrike" spc="-1">
+              <a:solidFill>
+                <a:srgbClr val="000000"/>
+              </a:solidFill>
+              <a:uFill>
+                <a:solidFill>
+                  <a:srgbClr val="FFFFFF"/>
+                </a:solidFill>
+              </a:uFill>
+              <a:latin typeface="Arial"/>
+            </a:endParaRPr>
+          </a:p>
+        </p:txBody>
+      </p:sp>
+      <p:sp>
+        <p:nvSpPr>
+          <p:cNvPr id="136" name="CustomShape 6"/>
+          <p:cNvSpPr/>
+          <p:nvPr/>
+        </p:nvSpPr>
+        <p:spPr>
+          <a:xfrm>
+            <a:off x="3574860" y="4734189"/>
+            <a:ext cx="1802880" cy="1828440"/>
+          </a:xfrm>
+          <a:prstGeom prst="ellipse">
+            <a:avLst/>
+          </a:prstGeom>
+          <a:solidFill>
+            <a:schemeClr val="accent6">
+              <a:lumMod val="75000"/>
+            </a:schemeClr>
+          </a:solidFill>
+          <a:ln>
+            <a:solidFill>
+              <a:schemeClr val="bg1"/>
+            </a:solidFill>
+          </a:ln>
+        </p:spPr>
+        <p:style>
+          <a:lnRef idx="2">
+            <a:schemeClr val="accent1">
+              <a:shade val="50000"/>
+            </a:schemeClr>
+          </a:lnRef>
+          <a:fillRef idx="1">
+            <a:schemeClr val="accent1"/>
+          </a:fillRef>
+          <a:effectRef idx="0">
+            <a:schemeClr val="accent1"/>
+          </a:effectRef>
+          <a:fontRef idx="minor"/>
+        </p:style>
+        <p:txBody>
+          <a:bodyPr lIns="90000" tIns="45000" rIns="90000" bIns="45000" anchor="ctr"/>
+          <a:lstStyle/>
+          <a:p>
+            <a:pPr algn="ctr">
+              <a:lnSpc>
+                <a:spcPct val="100000"/>
+              </a:lnSpc>
+            </a:pPr>
+            <a:r>
+              <a:rPr lang="es-PE" sz="1800" b="0" strike="noStrike" spc="-1">
+                <a:solidFill>
+                  <a:srgbClr val="FFFFFF"/>
+                </a:solidFill>
+                <a:uFill>
+                  <a:solidFill>
+                    <a:srgbClr val="FFFFFF"/>
+                  </a:solidFill>
+                </a:uFill>
+                <a:latin typeface="Calibri"/>
+              </a:rPr>
+              <a:t>Evaluación</a:t>
+            </a:r>
+            <a:endParaRPr lang="es-PE" sz="1800" b="0" strike="noStrike" spc="-1">
+              <a:solidFill>
+                <a:srgbClr val="000000"/>
+              </a:solidFill>
+              <a:uFill>
+                <a:solidFill>
+                  <a:srgbClr val="FFFFFF"/>
+                </a:solidFill>
+              </a:uFill>
+              <a:latin typeface="Arial"/>
+            </a:endParaRPr>
+          </a:p>
+        </p:txBody>
+      </p:sp>
+      <p:sp>
+        <p:nvSpPr>
+          <p:cNvPr id="138" name="CustomShape 8"/>
+          <p:cNvSpPr/>
+          <p:nvPr/>
+        </p:nvSpPr>
+        <p:spPr>
+          <a:xfrm>
+            <a:off x="8355600" y="2112200"/>
+            <a:ext cx="610600" cy="286740"/>
+          </a:xfrm>
+          <a:prstGeom prst="curvedConnector2">
+            <a:avLst/>
+          </a:prstGeom>
+          <a:noFill/>
+          <a:ln>
+            <a:tailEnd type="triangle" w="med" len="med"/>
+          </a:ln>
+        </p:spPr>
+        <p:style>
+          <a:lnRef idx="1">
+            <a:schemeClr val="accent1"/>
+          </a:lnRef>
+          <a:fillRef idx="0">
+            <a:schemeClr val="accent1"/>
+          </a:fillRef>
+          <a:effectRef idx="0">
+            <a:schemeClr val="accent1"/>
+          </a:effectRef>
+          <a:fontRef idx="minor"/>
+        </p:style>
+      </p:sp>
+      <p:sp>
+        <p:nvSpPr>
+          <p:cNvPr id="139" name="CustomShape 9"/>
+          <p:cNvSpPr/>
+          <p:nvPr/>
+        </p:nvSpPr>
+        <p:spPr>
+          <a:xfrm rot="5400000">
+            <a:off x="8385435" y="4359694"/>
+            <a:ext cx="709660" cy="748990"/>
+          </a:xfrm>
+          <a:prstGeom prst="curvedConnector2">
+            <a:avLst/>
+          </a:prstGeom>
+          <a:noFill/>
+          <a:ln>
+            <a:tailEnd type="triangle" w="med" len="med"/>
+          </a:ln>
+        </p:spPr>
+        <p:style>
+          <a:lnRef idx="1">
+            <a:schemeClr val="accent1"/>
+          </a:lnRef>
+          <a:fillRef idx="0">
+            <a:schemeClr val="accent1"/>
+          </a:fillRef>
+          <a:effectRef idx="0">
+            <a:schemeClr val="accent1"/>
+          </a:effectRef>
+          <a:fontRef idx="minor"/>
+        </p:style>
+      </p:sp>
+      <p:cxnSp>
+        <p:nvCxnSpPr>
+          <p:cNvPr id="11" name="Conector recto 10"/>
+          <p:cNvCxnSpPr/>
+          <p:nvPr/>
+        </p:nvCxnSpPr>
+        <p:spPr>
+          <a:xfrm>
+            <a:off x="-1" y="15498"/>
+            <a:ext cx="10800000" cy="0"/>
+          </a:xfrm>
+          <a:prstGeom prst="line">
+            <a:avLst/>
+          </a:prstGeom>
+        </p:spPr>
+        <p:style>
+          <a:lnRef idx="1">
+            <a:schemeClr val="accent1"/>
+          </a:lnRef>
+          <a:fillRef idx="0">
+            <a:schemeClr val="accent1"/>
+          </a:fillRef>
+          <a:effectRef idx="0">
+            <a:schemeClr val="accent1"/>
+          </a:effectRef>
+          <a:fontRef idx="minor">
+            <a:schemeClr val="tx1"/>
+          </a:fontRef>
+        </p:style>
+      </p:cxnSp>
+      <p:pic>
+        <p:nvPicPr>
+          <p:cNvPr id="12" name="Imagen 11"/>
+          <p:cNvPicPr>
+            <a:picLocks noChangeAspect="1"/>
+          </p:cNvPicPr>
+          <p:nvPr/>
+        </p:nvPicPr>
+        <p:blipFill>
+          <a:blip r:embed="rId2">
+            <a:extLst>
+              <a:ext uri="{28A0092B-C50C-407E-A947-70E740481C1C}">
+                <a14:useLocalDpi xmlns:a14="http://schemas.microsoft.com/office/drawing/2010/main" val="0"/>
+              </a:ext>
+            </a:extLst>
+          </a:blip>
+          <a:stretch>
+            <a:fillRect/>
+          </a:stretch>
+        </p:blipFill>
+        <p:spPr>
+          <a:xfrm>
+            <a:off x="5197131" y="3127126"/>
+            <a:ext cx="1268253" cy="1268253"/>
+          </a:xfrm>
+          <a:prstGeom prst="rect">
+            <a:avLst/>
+          </a:prstGeom>
+        </p:spPr>
+      </p:pic>
+      <p:cxnSp>
+        <p:nvCxnSpPr>
+          <p:cNvPr id="5" name="Conector recto de flecha 4"/>
+          <p:cNvCxnSpPr/>
+          <p:nvPr/>
+        </p:nvCxnSpPr>
+        <p:spPr>
+          <a:xfrm flipV="1">
+            <a:off x="5067300" y="1712782"/>
+            <a:ext cx="965200" cy="1538"/>
+          </a:xfrm>
+          <a:prstGeom prst="straightConnector1">
+            <a:avLst/>
+          </a:prstGeom>
+          <a:ln>
+            <a:tailEnd type="triangle"/>
+          </a:ln>
+        </p:spPr>
+        <p:style>
+          <a:lnRef idx="1">
+            <a:schemeClr val="accent1"/>
+          </a:lnRef>
+          <a:fillRef idx="0">
+            <a:schemeClr val="accent1"/>
+          </a:fillRef>
+          <a:effectRef idx="0">
+            <a:schemeClr val="accent1"/>
+          </a:effectRef>
+          <a:fontRef idx="minor">
+            <a:schemeClr val="tx1"/>
+          </a:fontRef>
+        </p:style>
+      </p:cxnSp>
+      <p:cxnSp>
+        <p:nvCxnSpPr>
+          <p:cNvPr id="7" name="Conector recto de flecha 6"/>
+          <p:cNvCxnSpPr/>
+          <p:nvPr/>
+        </p:nvCxnSpPr>
+        <p:spPr>
+          <a:xfrm flipH="1">
+            <a:off x="5067300" y="2112200"/>
+            <a:ext cx="965200" cy="0"/>
+          </a:xfrm>
+          <a:prstGeom prst="straightConnector1">
+            <a:avLst/>
+          </a:prstGeom>
+          <a:ln>
+            <a:tailEnd type="triangle"/>
+          </a:ln>
+        </p:spPr>
+        <p:style>
+          <a:lnRef idx="1">
+            <a:schemeClr val="accent1"/>
+          </a:lnRef>
+          <a:fillRef idx="0">
+            <a:schemeClr val="accent1"/>
+          </a:fillRef>
+          <a:effectRef idx="0">
+            <a:schemeClr val="accent1"/>
+          </a:effectRef>
+          <a:fontRef idx="minor">
+            <a:schemeClr val="tx1"/>
+          </a:fontRef>
+        </p:style>
+      </p:cxnSp>
+      <p:sp>
+        <p:nvSpPr>
+          <p:cNvPr id="23" name="CustomShape 9"/>
+          <p:cNvSpPr/>
+          <p:nvPr/>
+        </p:nvSpPr>
+        <p:spPr>
+          <a:xfrm rot="5400000" flipH="1" flipV="1">
+            <a:off x="8081743" y="4210340"/>
+            <a:ext cx="845700" cy="664659"/>
+          </a:xfrm>
+          <a:prstGeom prst="curvedConnector2">
+            <a:avLst/>
+          </a:prstGeom>
+          <a:noFill/>
+          <a:ln>
+            <a:tailEnd type="triangle" w="med" len="med"/>
+          </a:ln>
+        </p:spPr>
+        <p:style>
+          <a:lnRef idx="1">
+            <a:schemeClr val="accent1"/>
+          </a:lnRef>
+          <a:fillRef idx="0">
+            <a:schemeClr val="accent1"/>
+          </a:fillRef>
+          <a:effectRef idx="0">
+            <a:schemeClr val="accent1"/>
+          </a:effectRef>
+          <a:fontRef idx="minor"/>
+        </p:style>
+      </p:sp>
+      <p:sp>
+        <p:nvSpPr>
+          <p:cNvPr id="24" name="CustomShape 6"/>
+          <p:cNvSpPr/>
+          <p:nvPr/>
+        </p:nvSpPr>
+        <p:spPr>
+          <a:xfrm>
+            <a:off x="1233855" y="3120879"/>
+            <a:ext cx="1802880" cy="1828440"/>
+          </a:xfrm>
+          <a:prstGeom prst="ellipse">
+            <a:avLst/>
+          </a:prstGeom>
+          <a:solidFill>
+            <a:srgbClr val="002060"/>
+          </a:solidFill>
+          <a:ln>
+            <a:solidFill>
+              <a:schemeClr val="bg1"/>
+            </a:solidFill>
+          </a:ln>
+        </p:spPr>
+        <p:style>
+          <a:lnRef idx="2">
+            <a:schemeClr val="accent1">
+              <a:shade val="50000"/>
+            </a:schemeClr>
+          </a:lnRef>
+          <a:fillRef idx="1">
+            <a:schemeClr val="accent1"/>
+          </a:fillRef>
+          <a:effectRef idx="0">
+            <a:schemeClr val="accent1"/>
+          </a:effectRef>
+          <a:fontRef idx="minor"/>
+        </p:style>
+        <p:txBody>
+          <a:bodyPr lIns="90000" tIns="45000" rIns="90000" bIns="45000" anchor="ctr"/>
+          <a:lstStyle/>
+          <a:p>
+            <a:pPr algn="ctr">
+              <a:lnSpc>
+                <a:spcPct val="100000"/>
+              </a:lnSpc>
+            </a:pPr>
+            <a:r>
+              <a:rPr lang="es-PE" sz="1800" b="0" strike="noStrike" spc="-1" dirty="0" smtClean="0">
+                <a:solidFill>
+                  <a:srgbClr val="FFFFFF"/>
+                </a:solidFill>
+                <a:uFill>
+                  <a:solidFill>
+                    <a:srgbClr val="FFFFFF"/>
+                  </a:solidFill>
+                </a:uFill>
+                <a:latin typeface="Calibri"/>
+              </a:rPr>
+              <a:t>Despliegue</a:t>
+            </a:r>
+            <a:endParaRPr lang="es-PE" sz="1800" b="0" strike="noStrike" spc="-1" dirty="0">
+              <a:solidFill>
+                <a:srgbClr val="000000"/>
+              </a:solidFill>
+              <a:uFill>
+                <a:solidFill>
+                  <a:srgbClr val="FFFFFF"/>
+                </a:solidFill>
+              </a:uFill>
+              <a:latin typeface="Arial"/>
+            </a:endParaRPr>
+          </a:p>
+        </p:txBody>
+      </p:sp>
+      <p:cxnSp>
+        <p:nvCxnSpPr>
+          <p:cNvPr id="25" name="Conector recto de flecha 24"/>
+          <p:cNvCxnSpPr/>
+          <p:nvPr/>
+        </p:nvCxnSpPr>
+        <p:spPr>
+          <a:xfrm flipH="1">
+            <a:off x="5434959" y="5671700"/>
+            <a:ext cx="965200" cy="0"/>
+          </a:xfrm>
+          <a:prstGeom prst="straightConnector1">
+            <a:avLst/>
+          </a:prstGeom>
+          <a:ln>
+            <a:tailEnd type="triangle"/>
+          </a:ln>
+        </p:spPr>
+        <p:style>
+          <a:lnRef idx="1">
+            <a:schemeClr val="accent1"/>
+          </a:lnRef>
+          <a:fillRef idx="0">
+            <a:schemeClr val="accent1"/>
+          </a:fillRef>
+          <a:effectRef idx="0">
+            <a:schemeClr val="accent1"/>
+          </a:effectRef>
+          <a:fontRef idx="minor">
+            <a:schemeClr val="tx1"/>
+          </a:fontRef>
+        </p:style>
+      </p:cxnSp>
+      <p:cxnSp>
+        <p:nvCxnSpPr>
+          <p:cNvPr id="15" name="Conector curvado 14"/>
+          <p:cNvCxnSpPr/>
+          <p:nvPr/>
+        </p:nvCxnSpPr>
+        <p:spPr>
+          <a:xfrm rot="10800000">
+            <a:off x="2705568" y="5019898"/>
+            <a:ext cx="597608" cy="414942"/>
+          </a:xfrm>
+          <a:prstGeom prst="curvedConnector3">
+            <a:avLst>
+              <a:gd name="adj1" fmla="val 96753"/>
+            </a:avLst>
+          </a:prstGeom>
+          <a:ln>
+            <a:tailEnd type="triangle"/>
+          </a:ln>
+        </p:spPr>
+        <p:style>
+          <a:lnRef idx="1">
+            <a:schemeClr val="accent1"/>
+          </a:lnRef>
+          <a:fillRef idx="0">
+            <a:schemeClr val="accent1"/>
+          </a:fillRef>
+          <a:effectRef idx="0">
+            <a:schemeClr val="accent1"/>
+          </a:effectRef>
+          <a:fontRef idx="minor">
+            <a:schemeClr val="tx1"/>
+          </a:fontRef>
+        </p:style>
+      </p:cxnSp>
+      <p:cxnSp>
+        <p:nvCxnSpPr>
+          <p:cNvPr id="20" name="Conector recto de flecha 19"/>
+          <p:cNvCxnSpPr/>
+          <p:nvPr/>
+        </p:nvCxnSpPr>
+        <p:spPr>
+          <a:xfrm flipV="1">
+            <a:off x="4199867" y="3313341"/>
+            <a:ext cx="0" cy="1229328"/>
+          </a:xfrm>
+          <a:prstGeom prst="straightConnector1">
+            <a:avLst/>
+          </a:prstGeom>
+          <a:ln>
+            <a:tailEnd type="triangle"/>
+          </a:ln>
+        </p:spPr>
+        <p:style>
+          <a:lnRef idx="1">
+            <a:schemeClr val="accent1"/>
+          </a:lnRef>
+          <a:fillRef idx="0">
+            <a:schemeClr val="accent1"/>
+          </a:fillRef>
+          <a:effectRef idx="0">
+            <a:schemeClr val="accent1"/>
+          </a:effectRef>
+          <a:fontRef idx="minor">
+            <a:schemeClr val="tx1"/>
+          </a:fontRef>
+        </p:style>
+      </p:cxnSp>
     </p:spTree>
   </p:cSld>
   <p:clrMapOvr>
@@ -15277,14 +16677,14 @@
       </p:grpSpPr>
       <p:sp>
         <p:nvSpPr>
-          <p:cNvPr id="131" name="TextShape 1"/>
+          <p:cNvPr id="165" name="TextShape 1"/>
           <p:cNvSpPr txBox="1"/>
           <p:nvPr/>
         </p:nvSpPr>
         <p:spPr>
           <a:xfrm>
-            <a:off x="3004371" y="213840"/>
-            <a:ext cx="5781460" cy="720400"/>
+            <a:off x="435124" y="0"/>
+            <a:ext cx="10515240" cy="1325160"/>
           </a:xfrm>
           <a:prstGeom prst="rect">
             <a:avLst/>
@@ -15304,7 +16704,7 @@
               </a:lnSpc>
             </a:pPr>
             <a:r>
-              <a:rPr lang="es-PE" sz="4400" b="0" strike="noStrike" spc="-1" dirty="0">
+              <a:rPr lang="es-PE" sz="4400" b="0" strike="noStrike" spc="-1">
                 <a:solidFill>
                   <a:srgbClr val="000000"/>
                 </a:solidFill>
@@ -15315,9 +16715,9 @@
                 </a:uFill>
                 <a:latin typeface="Calibri Light"/>
               </a:rPr>
-              <a:t>Metodología CRISP-DM</a:t>
-            </a:r>
-            <a:endParaRPr lang="es-PE" sz="1800" b="0" strike="noStrike" spc="-1" dirty="0">
+              <a:t>Librerias</a:t>
+            </a:r>
+            <a:endParaRPr lang="es-PE" sz="1800" b="0" strike="noStrike" spc="-1">
               <a:solidFill>
                 <a:srgbClr val="000000"/>
               </a:solidFill>
@@ -15333,54 +16733,36 @@
       </p:sp>
       <p:sp>
         <p:nvSpPr>
-          <p:cNvPr id="132" name="CustomShape 2"/>
-          <p:cNvSpPr/>
+          <p:cNvPr id="166" name="TextShape 2"/>
+          <p:cNvSpPr txBox="1"/>
           <p:nvPr/>
         </p:nvSpPr>
         <p:spPr>
           <a:xfrm>
-            <a:off x="2927160" y="1212200"/>
-            <a:ext cx="1800000" cy="1800000"/>
-          </a:xfrm>
-          <a:prstGeom prst="ellipse">
-            <a:avLst/>
-          </a:prstGeom>
-          <a:solidFill>
-            <a:schemeClr val="accent3"/>
-          </a:solidFill>
+            <a:off x="1008561" y="1112638"/>
+            <a:ext cx="8693378" cy="5311409"/>
+          </a:xfrm>
+          <a:prstGeom prst="rect">
+            <a:avLst/>
+          </a:prstGeom>
+          <a:noFill/>
           <a:ln>
-            <a:solidFill>
-              <a:schemeClr val="bg1"/>
-            </a:solidFill>
+            <a:noFill/>
           </a:ln>
         </p:spPr>
-        <p:style>
-          <a:lnRef idx="2">
-            <a:schemeClr val="accent1">
-              <a:shade val="50000"/>
-            </a:schemeClr>
-          </a:lnRef>
-          <a:fillRef idx="1">
-            <a:schemeClr val="accent1"/>
-          </a:fillRef>
-          <a:effectRef idx="0">
-            <a:schemeClr val="accent1"/>
-          </a:effectRef>
-          <a:fontRef idx="minor"/>
-        </p:style>
         <p:txBody>
-          <a:bodyPr lIns="90000" tIns="45000" rIns="90000" bIns="45000" anchor="ctr"/>
+          <a:bodyPr/>
           <a:lstStyle/>
           <a:p>
-            <a:pPr algn="ctr">
+            <a:pPr>
               <a:lnSpc>
                 <a:spcPct val="100000"/>
               </a:lnSpc>
             </a:pPr>
             <a:r>
-              <a:rPr lang="es-PE" sz="1800" b="0" strike="noStrike" spc="-1" dirty="0">
-                <a:solidFill>
-                  <a:srgbClr val="FFFFFF"/>
+              <a:rPr lang="es-PE" sz="2000" b="0" strike="noStrike" spc="-1" dirty="0" err="1">
+                <a:solidFill>
+                  <a:srgbClr val="000000"/>
                 </a:solidFill>
                 <a:uFill>
                   <a:solidFill>
@@ -15389,9 +16771,9 @@
                 </a:uFill>
                 <a:latin typeface="Calibri"/>
               </a:rPr>
-              <a:t>Conocimiento del negocio</a:t>
-            </a:r>
-            <a:endParaRPr lang="es-PE" sz="1800" b="0" strike="noStrike" spc="-1" dirty="0">
+              <a:t>Numpy</a:t>
+            </a:r>
+            <a:endParaRPr lang="es-PE" sz="2000" b="0" strike="noStrike" spc="-1" dirty="0">
               <a:solidFill>
                 <a:srgbClr val="000000"/>
               </a:solidFill>
@@ -15400,54 +16782,19 @@
                   <a:srgbClr val="FFFFFF"/>
                 </a:solidFill>
               </a:uFill>
-              <a:latin typeface="Arial"/>
+              <a:latin typeface="Calibri"/>
             </a:endParaRPr>
           </a:p>
-        </p:txBody>
-      </p:sp>
-      <p:sp>
-        <p:nvSpPr>
-          <p:cNvPr id="133" name="CustomShape 3"/>
-          <p:cNvSpPr/>
-          <p:nvPr/>
-        </p:nvSpPr>
-        <p:spPr>
-          <a:xfrm>
-            <a:off x="6372260" y="1212200"/>
-            <a:ext cx="1800000" cy="1800000"/>
-          </a:xfrm>
-          <a:prstGeom prst="ellipse">
-            <a:avLst/>
-          </a:prstGeom>
-          <a:ln/>
-        </p:spPr>
-        <p:style>
-          <a:lnRef idx="2">
-            <a:schemeClr val="accent1">
-              <a:shade val="50000"/>
-            </a:schemeClr>
-          </a:lnRef>
-          <a:fillRef idx="1">
-            <a:schemeClr val="accent1"/>
-          </a:fillRef>
-          <a:effectRef idx="0">
-            <a:schemeClr val="accent1"/>
-          </a:effectRef>
-          <a:fontRef idx="minor"/>
-        </p:style>
-        <p:txBody>
-          <a:bodyPr wrap="none" lIns="90000" tIns="45000" rIns="90000" bIns="45000" anchor="ctr"/>
-          <a:lstStyle/>
-          <a:p>
-            <a:pPr algn="ctr">
+          <a:p>
+            <a:pPr>
               <a:lnSpc>
                 <a:spcPct val="100000"/>
               </a:lnSpc>
             </a:pPr>
             <a:r>
-              <a:rPr lang="es-PE" sz="1800" b="0" strike="noStrike" spc="-1" dirty="0">
-                <a:solidFill>
-                  <a:srgbClr val="FFFFFF"/>
+              <a:rPr lang="es-PE" sz="2000" b="0" strike="noStrike" spc="-1" dirty="0">
+                <a:solidFill>
+                  <a:srgbClr val="000000"/>
                 </a:solidFill>
                 <a:uFill>
                   <a:solidFill>
@@ -15456,30 +16803,12 @@
                 </a:uFill>
                 <a:latin typeface="Calibri"/>
               </a:rPr>
-              <a:t>Entendimiento </a:t>
-            </a:r>
-            <a:endParaRPr lang="es-PE" sz="1800" b="0" strike="noStrike" spc="-1" dirty="0" smtClean="0">
-              <a:solidFill>
-                <a:srgbClr val="FFFFFF"/>
-              </a:solidFill>
-              <a:uFill>
-                <a:solidFill>
-                  <a:srgbClr val="FFFFFF"/>
-                </a:solidFill>
-              </a:uFill>
-              <a:latin typeface="Calibri"/>
-            </a:endParaRPr>
-          </a:p>
-          <a:p>
-            <a:pPr algn="ctr">
-              <a:lnSpc>
-                <a:spcPct val="100000"/>
-              </a:lnSpc>
-            </a:pPr>
-            <a:r>
-              <a:rPr lang="es-PE" sz="1800" b="0" strike="noStrike" spc="-1" dirty="0" smtClean="0">
-                <a:solidFill>
-                  <a:srgbClr val="FFFFFF"/>
+              <a:t>Operaciones con vectores, </a:t>
+            </a:r>
+            <a:r>
+              <a:rPr lang="es-PE" sz="2000" b="0" strike="noStrike" spc="-1" dirty="0" smtClean="0">
+                <a:solidFill>
+                  <a:srgbClr val="000000"/>
                 </a:solidFill>
                 <a:uFill>
                   <a:solidFill>
@@ -15488,12 +16817,37 @@
                 </a:uFill>
                 <a:latin typeface="Calibri"/>
               </a:rPr>
-              <a:t>de </a:t>
-            </a:r>
-            <a:r>
-              <a:rPr lang="es-PE" sz="1800" b="0" strike="noStrike" spc="-1" dirty="0">
+              <a:t>Matrices</a:t>
+            </a:r>
+          </a:p>
+          <a:p>
+            <a:pPr>
+              <a:lnSpc>
+                <a:spcPct val="100000"/>
+              </a:lnSpc>
+            </a:pPr>
+            <a:endParaRPr lang="es-PE" sz="2000" b="0" strike="noStrike" spc="-1" dirty="0">
+              <a:solidFill>
+                <a:srgbClr val="000000"/>
+              </a:solidFill>
+              <a:uFill>
                 <a:solidFill>
                   <a:srgbClr val="FFFFFF"/>
+                </a:solidFill>
+              </a:uFill>
+              <a:latin typeface="Calibri"/>
+            </a:endParaRPr>
+          </a:p>
+          <a:p>
+            <a:pPr>
+              <a:lnSpc>
+                <a:spcPct val="100000"/>
+              </a:lnSpc>
+            </a:pPr>
+            <a:r>
+              <a:rPr lang="es-PE" sz="2000" b="0" strike="noStrike" spc="-1" dirty="0" err="1" smtClean="0">
+                <a:solidFill>
+                  <a:srgbClr val="000000"/>
                 </a:solidFill>
                 <a:uFill>
                   <a:solidFill>
@@ -15502,74 +16856,12 @@
                 </a:uFill>
                 <a:latin typeface="Calibri"/>
               </a:rPr>
-              <a:t>los Datos</a:t>
-            </a:r>
-            <a:endParaRPr lang="es-PE" sz="1800" b="0" strike="noStrike" spc="-1" dirty="0">
-              <a:solidFill>
-                <a:srgbClr val="000000"/>
-              </a:solidFill>
-              <a:uFill>
-                <a:solidFill>
-                  <a:srgbClr val="FFFFFF"/>
-                </a:solidFill>
-              </a:uFill>
-              <a:latin typeface="Arial"/>
-            </a:endParaRPr>
-          </a:p>
-        </p:txBody>
-      </p:sp>
-      <p:sp>
-        <p:nvSpPr>
-          <p:cNvPr id="134" name="CustomShape 4"/>
-          <p:cNvSpPr/>
-          <p:nvPr/>
-        </p:nvSpPr>
-        <p:spPr>
-          <a:xfrm>
-            <a:off x="8836920" y="2399120"/>
-            <a:ext cx="1802880" cy="1828440"/>
-          </a:xfrm>
-          <a:prstGeom prst="ellipse">
-            <a:avLst/>
-          </a:prstGeom>
-          <a:solidFill>
-            <a:schemeClr val="accent2">
-              <a:lumMod val="75000"/>
-            </a:schemeClr>
-          </a:solidFill>
-          <a:ln>
-            <a:solidFill>
-              <a:schemeClr val="bg1"/>
-            </a:solidFill>
-          </a:ln>
-        </p:spPr>
-        <p:style>
-          <a:lnRef idx="2">
-            <a:schemeClr val="accent1">
-              <a:shade val="50000"/>
-            </a:schemeClr>
-          </a:lnRef>
-          <a:fillRef idx="1">
-            <a:schemeClr val="accent1"/>
-          </a:fillRef>
-          <a:effectRef idx="0">
-            <a:schemeClr val="accent1"/>
-          </a:effectRef>
-          <a:fontRef idx="minor"/>
-        </p:style>
-        <p:txBody>
-          <a:bodyPr wrap="none" lIns="90000" tIns="45000" rIns="90000" bIns="45000" anchor="ctr"/>
-          <a:lstStyle/>
-          <a:p>
-            <a:pPr algn="ctr">
-              <a:lnSpc>
-                <a:spcPct val="100000"/>
-              </a:lnSpc>
-            </a:pPr>
-            <a:r>
-              <a:rPr lang="es-PE" sz="1800" b="0" strike="noStrike" spc="-1" dirty="0">
-                <a:solidFill>
-                  <a:srgbClr val="FFFFFF"/>
+              <a:t>MatplotLib</a:t>
+            </a:r>
+            <a:r>
+              <a:rPr lang="es-PE" sz="2000" b="0" strike="noStrike" spc="-1" dirty="0" smtClean="0">
+                <a:solidFill>
+                  <a:srgbClr val="000000"/>
                 </a:solidFill>
                 <a:uFill>
                   <a:solidFill>
@@ -15578,30 +16870,12 @@
                 </a:uFill>
                 <a:latin typeface="Calibri"/>
               </a:rPr>
-              <a:t>Preparación </a:t>
-            </a:r>
-            <a:endParaRPr lang="es-PE" sz="1800" b="0" strike="noStrike" spc="-1" dirty="0" smtClean="0">
-              <a:solidFill>
-                <a:srgbClr val="FFFFFF"/>
-              </a:solidFill>
-              <a:uFill>
-                <a:solidFill>
-                  <a:srgbClr val="FFFFFF"/>
-                </a:solidFill>
-              </a:uFill>
-              <a:latin typeface="Calibri"/>
-            </a:endParaRPr>
-          </a:p>
-          <a:p>
-            <a:pPr algn="ctr">
-              <a:lnSpc>
-                <a:spcPct val="100000"/>
-              </a:lnSpc>
-            </a:pPr>
-            <a:r>
-              <a:rPr lang="es-PE" sz="1800" b="0" strike="noStrike" spc="-1" dirty="0" smtClean="0">
-                <a:solidFill>
-                  <a:srgbClr val="FFFFFF"/>
+              <a:t>, </a:t>
+            </a:r>
+            <a:r>
+              <a:rPr lang="es-PE" sz="2000" spc="-1" dirty="0" err="1">
+                <a:solidFill>
+                  <a:srgbClr val="000000"/>
                 </a:solidFill>
                 <a:uFill>
                   <a:solidFill>
@@ -15610,12 +16884,12 @@
                 </a:uFill>
                 <a:latin typeface="Calibri"/>
               </a:rPr>
-              <a:t>de </a:t>
-            </a:r>
-            <a:r>
-              <a:rPr lang="es-PE" sz="1800" b="0" strike="noStrike" spc="-1" dirty="0">
-                <a:solidFill>
-                  <a:srgbClr val="FFFFFF"/>
+              <a:t>S</a:t>
+            </a:r>
+            <a:r>
+              <a:rPr lang="es-PE" sz="2000" b="0" strike="noStrike" spc="-1" dirty="0" err="1" smtClean="0">
+                <a:solidFill>
+                  <a:srgbClr val="000000"/>
                 </a:solidFill>
                 <a:uFill>
                   <a:solidFill>
@@ -15624,74 +16898,12 @@
                 </a:uFill>
                 <a:latin typeface="Calibri"/>
               </a:rPr>
-              <a:t>los datos</a:t>
-            </a:r>
-            <a:endParaRPr lang="es-PE" sz="1800" b="0" strike="noStrike" spc="-1" dirty="0">
-              <a:solidFill>
-                <a:srgbClr val="000000"/>
-              </a:solidFill>
-              <a:uFill>
-                <a:solidFill>
-                  <a:srgbClr val="FFFFFF"/>
-                </a:solidFill>
-              </a:uFill>
-              <a:latin typeface="Arial"/>
-            </a:endParaRPr>
-          </a:p>
-        </p:txBody>
-      </p:sp>
-      <p:sp>
-        <p:nvSpPr>
-          <p:cNvPr id="135" name="CustomShape 5"/>
-          <p:cNvSpPr/>
-          <p:nvPr/>
-        </p:nvSpPr>
-        <p:spPr>
-          <a:xfrm>
-            <a:off x="6552720" y="4757480"/>
-            <a:ext cx="1802880" cy="1828440"/>
-          </a:xfrm>
-          <a:prstGeom prst="ellipse">
-            <a:avLst/>
-          </a:prstGeom>
-          <a:solidFill>
-            <a:schemeClr val="accent5">
-              <a:lumMod val="75000"/>
-            </a:schemeClr>
-          </a:solidFill>
-          <a:ln>
-            <a:solidFill>
-              <a:schemeClr val="bg1"/>
-            </a:solidFill>
-          </a:ln>
-        </p:spPr>
-        <p:style>
-          <a:lnRef idx="2">
-            <a:schemeClr val="accent1">
-              <a:shade val="50000"/>
-            </a:schemeClr>
-          </a:lnRef>
-          <a:fillRef idx="1">
-            <a:schemeClr val="accent1"/>
-          </a:fillRef>
-          <a:effectRef idx="0">
-            <a:schemeClr val="accent1"/>
-          </a:effectRef>
-          <a:fontRef idx="minor"/>
-        </p:style>
-        <p:txBody>
-          <a:bodyPr lIns="90000" tIns="45000" rIns="90000" bIns="45000" anchor="ctr"/>
-          <a:lstStyle/>
-          <a:p>
-            <a:pPr algn="ctr">
-              <a:lnSpc>
-                <a:spcPct val="100000"/>
-              </a:lnSpc>
-            </a:pPr>
-            <a:r>
-              <a:rPr lang="es-PE" sz="1800" b="0" strike="noStrike" spc="-1">
-                <a:solidFill>
-                  <a:srgbClr val="FFFFFF"/>
+              <a:t>eaborn</a:t>
+            </a:r>
+            <a:r>
+              <a:rPr lang="es-PE" sz="2000" b="0" strike="noStrike" spc="-1" dirty="0" smtClean="0">
+                <a:solidFill>
+                  <a:srgbClr val="000000"/>
                 </a:solidFill>
                 <a:uFill>
                   <a:solidFill>
@@ -15700,74 +16912,12 @@
                 </a:uFill>
                 <a:latin typeface="Calibri"/>
               </a:rPr>
-              <a:t>Modeling</a:t>
-            </a:r>
-            <a:endParaRPr lang="es-PE" sz="1800" b="0" strike="noStrike" spc="-1">
-              <a:solidFill>
-                <a:srgbClr val="000000"/>
-              </a:solidFill>
-              <a:uFill>
-                <a:solidFill>
-                  <a:srgbClr val="FFFFFF"/>
-                </a:solidFill>
-              </a:uFill>
-              <a:latin typeface="Arial"/>
-            </a:endParaRPr>
-          </a:p>
-        </p:txBody>
-      </p:sp>
-      <p:sp>
-        <p:nvSpPr>
-          <p:cNvPr id="136" name="CustomShape 6"/>
-          <p:cNvSpPr/>
-          <p:nvPr/>
-        </p:nvSpPr>
-        <p:spPr>
-          <a:xfrm>
-            <a:off x="3574860" y="4734189"/>
-            <a:ext cx="1802880" cy="1828440"/>
-          </a:xfrm>
-          <a:prstGeom prst="ellipse">
-            <a:avLst/>
-          </a:prstGeom>
-          <a:solidFill>
-            <a:schemeClr val="accent6">
-              <a:lumMod val="75000"/>
-            </a:schemeClr>
-          </a:solidFill>
-          <a:ln>
-            <a:solidFill>
-              <a:schemeClr val="bg1"/>
-            </a:solidFill>
-          </a:ln>
-        </p:spPr>
-        <p:style>
-          <a:lnRef idx="2">
-            <a:schemeClr val="accent1">
-              <a:shade val="50000"/>
-            </a:schemeClr>
-          </a:lnRef>
-          <a:fillRef idx="1">
-            <a:schemeClr val="accent1"/>
-          </a:fillRef>
-          <a:effectRef idx="0">
-            <a:schemeClr val="accent1"/>
-          </a:effectRef>
-          <a:fontRef idx="minor"/>
-        </p:style>
-        <p:txBody>
-          <a:bodyPr lIns="90000" tIns="45000" rIns="90000" bIns="45000" anchor="ctr"/>
-          <a:lstStyle/>
-          <a:p>
-            <a:pPr algn="ctr">
-              <a:lnSpc>
-                <a:spcPct val="100000"/>
-              </a:lnSpc>
-            </a:pPr>
-            <a:r>
-              <a:rPr lang="es-PE" sz="1800" b="0" strike="noStrike" spc="-1">
-                <a:solidFill>
-                  <a:srgbClr val="FFFFFF"/>
+              <a:t>, </a:t>
+            </a:r>
+            <a:r>
+              <a:rPr lang="es-PE" sz="2000" b="0" strike="noStrike" spc="-1" dirty="0" err="1" smtClean="0">
+                <a:solidFill>
+                  <a:srgbClr val="000000"/>
                 </a:solidFill>
                 <a:uFill>
                   <a:solidFill>
@@ -15776,9 +16926,9 @@
                 </a:uFill>
                 <a:latin typeface="Calibri"/>
               </a:rPr>
-              <a:t>Evaluación</a:t>
-            </a:r>
-            <a:endParaRPr lang="es-PE" sz="1800" b="0" strike="noStrike" spc="-1">
+              <a:t>Bokeh</a:t>
+            </a:r>
+            <a:endParaRPr lang="es-PE" sz="2000" b="0" strike="noStrike" spc="-1" dirty="0" smtClean="0">
               <a:solidFill>
                 <a:srgbClr val="000000"/>
               </a:solidFill>
@@ -15787,283 +16937,19 @@
                   <a:srgbClr val="FFFFFF"/>
                 </a:solidFill>
               </a:uFill>
-              <a:latin typeface="Arial"/>
+              <a:latin typeface="Calibri"/>
             </a:endParaRPr>
           </a:p>
-        </p:txBody>
-      </p:sp>
-      <p:sp>
-        <p:nvSpPr>
-          <p:cNvPr id="138" name="CustomShape 8"/>
-          <p:cNvSpPr/>
-          <p:nvPr/>
-        </p:nvSpPr>
-        <p:spPr>
-          <a:xfrm>
-            <a:off x="8355600" y="2112200"/>
-            <a:ext cx="610600" cy="286740"/>
-          </a:xfrm>
-          <a:prstGeom prst="curvedConnector2">
-            <a:avLst/>
-          </a:prstGeom>
-          <a:noFill/>
-          <a:ln>
-            <a:tailEnd type="triangle" w="med" len="med"/>
-          </a:ln>
-        </p:spPr>
-        <p:style>
-          <a:lnRef idx="1">
-            <a:schemeClr val="accent1"/>
-          </a:lnRef>
-          <a:fillRef idx="0">
-            <a:schemeClr val="accent1"/>
-          </a:fillRef>
-          <a:effectRef idx="0">
-            <a:schemeClr val="accent1"/>
-          </a:effectRef>
-          <a:fontRef idx="minor"/>
-        </p:style>
-      </p:sp>
-      <p:sp>
-        <p:nvSpPr>
-          <p:cNvPr id="139" name="CustomShape 9"/>
-          <p:cNvSpPr/>
-          <p:nvPr/>
-        </p:nvSpPr>
-        <p:spPr>
-          <a:xfrm rot="5400000">
-            <a:off x="8385435" y="4359694"/>
-            <a:ext cx="709660" cy="748990"/>
-          </a:xfrm>
-          <a:prstGeom prst="curvedConnector2">
-            <a:avLst/>
-          </a:prstGeom>
-          <a:noFill/>
-          <a:ln>
-            <a:tailEnd type="triangle" w="med" len="med"/>
-          </a:ln>
-        </p:spPr>
-        <p:style>
-          <a:lnRef idx="1">
-            <a:schemeClr val="accent1"/>
-          </a:lnRef>
-          <a:fillRef idx="0">
-            <a:schemeClr val="accent1"/>
-          </a:fillRef>
-          <a:effectRef idx="0">
-            <a:schemeClr val="accent1"/>
-          </a:effectRef>
-          <a:fontRef idx="minor"/>
-        </p:style>
-      </p:sp>
-      <p:cxnSp>
-        <p:nvCxnSpPr>
-          <p:cNvPr id="11" name="Conector recto 10"/>
-          <p:cNvCxnSpPr/>
-          <p:nvPr/>
-        </p:nvCxnSpPr>
-        <p:spPr>
-          <a:xfrm>
-            <a:off x="-1" y="15498"/>
-            <a:ext cx="10800000" cy="0"/>
-          </a:xfrm>
-          <a:prstGeom prst="line">
-            <a:avLst/>
-          </a:prstGeom>
-        </p:spPr>
-        <p:style>
-          <a:lnRef idx="1">
-            <a:schemeClr val="accent1"/>
-          </a:lnRef>
-          <a:fillRef idx="0">
-            <a:schemeClr val="accent1"/>
-          </a:fillRef>
-          <a:effectRef idx="0">
-            <a:schemeClr val="accent1"/>
-          </a:effectRef>
-          <a:fontRef idx="minor">
-            <a:schemeClr val="tx1"/>
-          </a:fontRef>
-        </p:style>
-      </p:cxnSp>
-      <p:pic>
-        <p:nvPicPr>
-          <p:cNvPr id="12" name="Imagen 11"/>
-          <p:cNvPicPr>
-            <a:picLocks noChangeAspect="1"/>
-          </p:cNvPicPr>
-          <p:nvPr/>
-        </p:nvPicPr>
-        <p:blipFill>
-          <a:blip r:embed="rId2">
-            <a:extLst>
-              <a:ext uri="{28A0092B-C50C-407E-A947-70E740481C1C}">
-                <a14:useLocalDpi xmlns:a14="http://schemas.microsoft.com/office/drawing/2010/main" val="0"/>
-              </a:ext>
-            </a:extLst>
-          </a:blip>
-          <a:stretch>
-            <a:fillRect/>
-          </a:stretch>
-        </p:blipFill>
-        <p:spPr>
-          <a:xfrm>
-            <a:off x="5197131" y="3127126"/>
-            <a:ext cx="1268253" cy="1268253"/>
-          </a:xfrm>
-          <a:prstGeom prst="rect">
-            <a:avLst/>
-          </a:prstGeom>
-        </p:spPr>
-      </p:pic>
-      <p:cxnSp>
-        <p:nvCxnSpPr>
-          <p:cNvPr id="5" name="Conector recto de flecha 4"/>
-          <p:cNvCxnSpPr/>
-          <p:nvPr/>
-        </p:nvCxnSpPr>
-        <p:spPr>
-          <a:xfrm flipV="1">
-            <a:off x="5067300" y="1712782"/>
-            <a:ext cx="965200" cy="1538"/>
-          </a:xfrm>
-          <a:prstGeom prst="straightConnector1">
-            <a:avLst/>
-          </a:prstGeom>
-          <a:ln>
-            <a:tailEnd type="triangle"/>
-          </a:ln>
-        </p:spPr>
-        <p:style>
-          <a:lnRef idx="1">
-            <a:schemeClr val="accent1"/>
-          </a:lnRef>
-          <a:fillRef idx="0">
-            <a:schemeClr val="accent1"/>
-          </a:fillRef>
-          <a:effectRef idx="0">
-            <a:schemeClr val="accent1"/>
-          </a:effectRef>
-          <a:fontRef idx="minor">
-            <a:schemeClr val="tx1"/>
-          </a:fontRef>
-        </p:style>
-      </p:cxnSp>
-      <p:cxnSp>
-        <p:nvCxnSpPr>
-          <p:cNvPr id="7" name="Conector recto de flecha 6"/>
-          <p:cNvCxnSpPr/>
-          <p:nvPr/>
-        </p:nvCxnSpPr>
-        <p:spPr>
-          <a:xfrm flipH="1">
-            <a:off x="5067300" y="2112200"/>
-            <a:ext cx="965200" cy="0"/>
-          </a:xfrm>
-          <a:prstGeom prst="straightConnector1">
-            <a:avLst/>
-          </a:prstGeom>
-          <a:ln>
-            <a:tailEnd type="triangle"/>
-          </a:ln>
-        </p:spPr>
-        <p:style>
-          <a:lnRef idx="1">
-            <a:schemeClr val="accent1"/>
-          </a:lnRef>
-          <a:fillRef idx="0">
-            <a:schemeClr val="accent1"/>
-          </a:fillRef>
-          <a:effectRef idx="0">
-            <a:schemeClr val="accent1"/>
-          </a:effectRef>
-          <a:fontRef idx="minor">
-            <a:schemeClr val="tx1"/>
-          </a:fontRef>
-        </p:style>
-      </p:cxnSp>
-      <p:sp>
-        <p:nvSpPr>
-          <p:cNvPr id="23" name="CustomShape 9"/>
-          <p:cNvSpPr/>
-          <p:nvPr/>
-        </p:nvSpPr>
-        <p:spPr>
-          <a:xfrm rot="5400000" flipH="1" flipV="1">
-            <a:off x="8081743" y="4210340"/>
-            <a:ext cx="845700" cy="664659"/>
-          </a:xfrm>
-          <a:prstGeom prst="curvedConnector2">
-            <a:avLst/>
-          </a:prstGeom>
-          <a:noFill/>
-          <a:ln>
-            <a:tailEnd type="triangle" w="med" len="med"/>
-          </a:ln>
-        </p:spPr>
-        <p:style>
-          <a:lnRef idx="1">
-            <a:schemeClr val="accent1"/>
-          </a:lnRef>
-          <a:fillRef idx="0">
-            <a:schemeClr val="accent1"/>
-          </a:fillRef>
-          <a:effectRef idx="0">
-            <a:schemeClr val="accent1"/>
-          </a:effectRef>
-          <a:fontRef idx="minor"/>
-        </p:style>
-      </p:sp>
-      <p:sp>
-        <p:nvSpPr>
-          <p:cNvPr id="24" name="CustomShape 6"/>
-          <p:cNvSpPr/>
-          <p:nvPr/>
-        </p:nvSpPr>
-        <p:spPr>
-          <a:xfrm>
-            <a:off x="1233855" y="3120879"/>
-            <a:ext cx="1802880" cy="1828440"/>
-          </a:xfrm>
-          <a:prstGeom prst="ellipse">
-            <a:avLst/>
-          </a:prstGeom>
-          <a:solidFill>
-            <a:srgbClr val="002060"/>
-          </a:solidFill>
-          <a:ln>
-            <a:solidFill>
-              <a:schemeClr val="bg1"/>
-            </a:solidFill>
-          </a:ln>
-        </p:spPr>
-        <p:style>
-          <a:lnRef idx="2">
-            <a:schemeClr val="accent1">
-              <a:shade val="50000"/>
-            </a:schemeClr>
-          </a:lnRef>
-          <a:fillRef idx="1">
-            <a:schemeClr val="accent1"/>
-          </a:fillRef>
-          <a:effectRef idx="0">
-            <a:schemeClr val="accent1"/>
-          </a:effectRef>
-          <a:fontRef idx="minor"/>
-        </p:style>
-        <p:txBody>
-          <a:bodyPr lIns="90000" tIns="45000" rIns="90000" bIns="45000" anchor="ctr"/>
-          <a:lstStyle/>
-          <a:p>
-            <a:pPr algn="ctr">
+          <a:p>
+            <a:pPr>
               <a:lnSpc>
                 <a:spcPct val="100000"/>
               </a:lnSpc>
             </a:pPr>
             <a:r>
-              <a:rPr lang="es-PE" sz="1800" b="0" strike="noStrike" spc="-1" dirty="0" smtClean="0">
-                <a:solidFill>
-                  <a:srgbClr val="FFFFFF"/>
+              <a:rPr lang="es-PE" sz="2000" spc="-1" dirty="0" smtClean="0">
+                <a:solidFill>
+                  <a:srgbClr val="000000"/>
                 </a:solidFill>
                 <a:uFill>
                   <a:solidFill>
@@ -16072,9 +16958,16 @@
                 </a:uFill>
                 <a:latin typeface="Calibri"/>
               </a:rPr>
-              <a:t>Despliegue</a:t>
-            </a:r>
-            <a:endParaRPr lang="es-PE" sz="1800" b="0" strike="noStrike" spc="-1" dirty="0">
+              <a:t>Visualización de datos </a:t>
+            </a:r>
+          </a:p>
+          <a:p>
+            <a:pPr>
+              <a:lnSpc>
+                <a:spcPct val="100000"/>
+              </a:lnSpc>
+            </a:pPr>
+            <a:endParaRPr lang="es-PE" sz="2000" b="0" strike="noStrike" spc="-1" dirty="0">
               <a:solidFill>
                 <a:srgbClr val="000000"/>
               </a:solidFill>
@@ -16083,96 +16976,365 @@
                   <a:srgbClr val="FFFFFF"/>
                 </a:solidFill>
               </a:uFill>
-              <a:latin typeface="Arial"/>
+              <a:latin typeface="Calibri"/>
+            </a:endParaRPr>
+          </a:p>
+          <a:p>
+            <a:pPr>
+              <a:lnSpc>
+                <a:spcPct val="100000"/>
+              </a:lnSpc>
+            </a:pPr>
+            <a:r>
+              <a:rPr lang="es-PE" sz="2000" b="0" strike="noStrike" spc="-1" dirty="0" err="1">
+                <a:solidFill>
+                  <a:srgbClr val="000000"/>
+                </a:solidFill>
+                <a:uFill>
+                  <a:solidFill>
+                    <a:srgbClr val="FFFFFF"/>
+                  </a:solidFill>
+                </a:uFill>
+                <a:latin typeface="Calibri"/>
+              </a:rPr>
+              <a:t>Scipy</a:t>
+            </a:r>
+            <a:endParaRPr lang="es-PE" sz="2000" b="0" strike="noStrike" spc="-1" dirty="0">
+              <a:solidFill>
+                <a:srgbClr val="000000"/>
+              </a:solidFill>
+              <a:uFill>
+                <a:solidFill>
+                  <a:srgbClr val="FFFFFF"/>
+                </a:solidFill>
+              </a:uFill>
+              <a:latin typeface="Calibri"/>
+            </a:endParaRPr>
+          </a:p>
+          <a:p>
+            <a:pPr>
+              <a:lnSpc>
+                <a:spcPct val="100000"/>
+              </a:lnSpc>
+            </a:pPr>
+            <a:r>
+              <a:rPr lang="es-PE" sz="2000" b="0" strike="noStrike" spc="-1" dirty="0">
+                <a:solidFill>
+                  <a:srgbClr val="000000"/>
+                </a:solidFill>
+                <a:uFill>
+                  <a:solidFill>
+                    <a:srgbClr val="FFFFFF"/>
+                  </a:solidFill>
+                </a:uFill>
+                <a:latin typeface="Calibri"/>
+              </a:rPr>
+              <a:t>Test Estadísticos, </a:t>
+            </a:r>
+            <a:r>
+              <a:rPr lang="es-PE" sz="2000" b="0" strike="noStrike" spc="-1" dirty="0" smtClean="0">
+                <a:solidFill>
+                  <a:srgbClr val="000000"/>
+                </a:solidFill>
+                <a:uFill>
+                  <a:solidFill>
+                    <a:srgbClr val="FFFFFF"/>
+                  </a:solidFill>
+                </a:uFill>
+                <a:latin typeface="Calibri"/>
+              </a:rPr>
+              <a:t>funciones Aritméticas</a:t>
+            </a:r>
+            <a:endParaRPr lang="es-PE" sz="2000" b="0" strike="noStrike" spc="-1" dirty="0">
+              <a:solidFill>
+                <a:srgbClr val="000000"/>
+              </a:solidFill>
+              <a:uFill>
+                <a:solidFill>
+                  <a:srgbClr val="FFFFFF"/>
+                </a:solidFill>
+              </a:uFill>
+              <a:latin typeface="Calibri"/>
+            </a:endParaRPr>
+          </a:p>
+          <a:p>
+            <a:pPr>
+              <a:lnSpc>
+                <a:spcPct val="100000"/>
+              </a:lnSpc>
+            </a:pPr>
+            <a:endParaRPr lang="es-PE" sz="2000" b="0" strike="noStrike" spc="-1" dirty="0">
+              <a:solidFill>
+                <a:srgbClr val="000000"/>
+              </a:solidFill>
+              <a:uFill>
+                <a:solidFill>
+                  <a:srgbClr val="FFFFFF"/>
+                </a:solidFill>
+              </a:uFill>
+              <a:latin typeface="Calibri"/>
+            </a:endParaRPr>
+          </a:p>
+          <a:p>
+            <a:pPr>
+              <a:lnSpc>
+                <a:spcPct val="100000"/>
+              </a:lnSpc>
+            </a:pPr>
+            <a:r>
+              <a:rPr lang="es-PE" sz="2000" b="0" strike="noStrike" spc="-1" dirty="0">
+                <a:solidFill>
+                  <a:srgbClr val="000000"/>
+                </a:solidFill>
+                <a:uFill>
+                  <a:solidFill>
+                    <a:srgbClr val="FFFFFF"/>
+                  </a:solidFill>
+                </a:uFill>
+                <a:latin typeface="Calibri"/>
+              </a:rPr>
+              <a:t>Pandas</a:t>
+            </a:r>
+          </a:p>
+          <a:p>
+            <a:pPr>
+              <a:lnSpc>
+                <a:spcPct val="100000"/>
+              </a:lnSpc>
+            </a:pPr>
+            <a:r>
+              <a:rPr lang="es-PE" sz="2000" b="0" strike="noStrike" spc="-1" dirty="0">
+                <a:solidFill>
+                  <a:srgbClr val="000000"/>
+                </a:solidFill>
+                <a:uFill>
+                  <a:solidFill>
+                    <a:srgbClr val="FFFFFF"/>
+                  </a:solidFill>
+                </a:uFill>
+                <a:latin typeface="Calibri"/>
+              </a:rPr>
+              <a:t>Manejo de archivos(Excel, CSV, </a:t>
+            </a:r>
+            <a:r>
+              <a:rPr lang="es-PE" sz="2000" b="0" strike="noStrike" spc="-1" dirty="0" err="1">
+                <a:solidFill>
+                  <a:srgbClr val="000000"/>
+                </a:solidFill>
+                <a:uFill>
+                  <a:solidFill>
+                    <a:srgbClr val="FFFFFF"/>
+                  </a:solidFill>
+                </a:uFill>
+                <a:latin typeface="Calibri"/>
+              </a:rPr>
+              <a:t>txt</a:t>
+            </a:r>
+            <a:r>
+              <a:rPr lang="es-PE" sz="2000" b="0" strike="noStrike" spc="-1" dirty="0">
+                <a:solidFill>
+                  <a:srgbClr val="000000"/>
+                </a:solidFill>
+                <a:uFill>
+                  <a:solidFill>
+                    <a:srgbClr val="FFFFFF"/>
+                  </a:solidFill>
+                </a:uFill>
+                <a:latin typeface="Calibri"/>
+              </a:rPr>
+              <a:t>, SPSS Files)</a:t>
+            </a:r>
+          </a:p>
+          <a:p>
+            <a:pPr>
+              <a:lnSpc>
+                <a:spcPct val="100000"/>
+              </a:lnSpc>
+            </a:pPr>
+            <a:endParaRPr lang="es-PE" sz="2000" b="0" strike="noStrike" spc="-1" dirty="0">
+              <a:solidFill>
+                <a:srgbClr val="000000"/>
+              </a:solidFill>
+              <a:uFill>
+                <a:solidFill>
+                  <a:srgbClr val="FFFFFF"/>
+                </a:solidFill>
+              </a:uFill>
+              <a:latin typeface="Calibri"/>
+            </a:endParaRPr>
+          </a:p>
+          <a:p>
+            <a:pPr>
+              <a:lnSpc>
+                <a:spcPct val="100000"/>
+              </a:lnSpc>
+            </a:pPr>
+            <a:r>
+              <a:rPr lang="es-PE" sz="2000" b="0" strike="noStrike" spc="-1" dirty="0" err="1">
+                <a:solidFill>
+                  <a:srgbClr val="000000"/>
+                </a:solidFill>
+                <a:uFill>
+                  <a:solidFill>
+                    <a:srgbClr val="FFFFFF"/>
+                  </a:solidFill>
+                </a:uFill>
+                <a:latin typeface="Calibri"/>
+              </a:rPr>
+              <a:t>Scikit-Learn</a:t>
+            </a:r>
+            <a:endParaRPr lang="es-PE" sz="2000" b="0" strike="noStrike" spc="-1" dirty="0">
+              <a:solidFill>
+                <a:srgbClr val="000000"/>
+              </a:solidFill>
+              <a:uFill>
+                <a:solidFill>
+                  <a:srgbClr val="FFFFFF"/>
+                </a:solidFill>
+              </a:uFill>
+              <a:latin typeface="Calibri"/>
+            </a:endParaRPr>
+          </a:p>
+          <a:p>
+            <a:pPr>
+              <a:lnSpc>
+                <a:spcPct val="100000"/>
+              </a:lnSpc>
+            </a:pPr>
+            <a:r>
+              <a:rPr lang="es-PE" sz="2000" b="0" strike="noStrike" spc="-1" dirty="0">
+                <a:solidFill>
+                  <a:srgbClr val="000000"/>
+                </a:solidFill>
+                <a:uFill>
+                  <a:solidFill>
+                    <a:srgbClr val="FFFFFF"/>
+                  </a:solidFill>
+                </a:uFill>
+                <a:latin typeface="Calibri"/>
+              </a:rPr>
+              <a:t>Para </a:t>
+            </a:r>
+            <a:r>
+              <a:rPr lang="es-PE" sz="2000" b="0" strike="noStrike" spc="-1" dirty="0" err="1" smtClean="0">
+                <a:solidFill>
+                  <a:srgbClr val="000000"/>
+                </a:solidFill>
+                <a:uFill>
+                  <a:solidFill>
+                    <a:srgbClr val="FFFFFF"/>
+                  </a:solidFill>
+                </a:uFill>
+                <a:latin typeface="Calibri"/>
+              </a:rPr>
+              <a:t>preprocesamiento</a:t>
+            </a:r>
+            <a:r>
+              <a:rPr lang="es-PE" sz="2000" b="0" strike="noStrike" spc="-1" dirty="0" smtClean="0">
+                <a:solidFill>
+                  <a:srgbClr val="000000"/>
+                </a:solidFill>
+                <a:uFill>
+                  <a:solidFill>
+                    <a:srgbClr val="FFFFFF"/>
+                  </a:solidFill>
+                </a:uFill>
+                <a:latin typeface="Calibri"/>
+              </a:rPr>
+              <a:t> de datos</a:t>
+            </a:r>
+            <a:endParaRPr lang="es-PE" sz="2000" b="0" strike="noStrike" spc="-1" dirty="0">
+              <a:solidFill>
+                <a:srgbClr val="000000"/>
+              </a:solidFill>
+              <a:uFill>
+                <a:solidFill>
+                  <a:srgbClr val="FFFFFF"/>
+                </a:solidFill>
+              </a:uFill>
+              <a:latin typeface="Calibri"/>
+            </a:endParaRPr>
+          </a:p>
+          <a:p>
+            <a:pPr>
+              <a:lnSpc>
+                <a:spcPct val="100000"/>
+              </a:lnSpc>
+            </a:pPr>
+            <a:r>
+              <a:rPr lang="es-PE" sz="2000" b="0" strike="noStrike" spc="-1" dirty="0">
+                <a:solidFill>
+                  <a:srgbClr val="000000"/>
+                </a:solidFill>
+                <a:uFill>
+                  <a:solidFill>
+                    <a:srgbClr val="FFFFFF"/>
+                  </a:solidFill>
+                </a:uFill>
+                <a:latin typeface="Calibri"/>
+              </a:rPr>
+              <a:t>Creación de </a:t>
+            </a:r>
+            <a:r>
+              <a:rPr lang="es-PE" sz="2000" b="0" strike="noStrike" spc="-1" dirty="0" smtClean="0">
+                <a:solidFill>
+                  <a:srgbClr val="000000"/>
+                </a:solidFill>
+                <a:uFill>
+                  <a:solidFill>
+                    <a:srgbClr val="FFFFFF"/>
+                  </a:solidFill>
+                </a:uFill>
+                <a:latin typeface="Calibri"/>
+              </a:rPr>
+              <a:t>Modelos predictivos</a:t>
+            </a:r>
+            <a:endParaRPr lang="es-PE" sz="2000" b="0" strike="noStrike" spc="-1" dirty="0">
+              <a:solidFill>
+                <a:srgbClr val="000000"/>
+              </a:solidFill>
+              <a:uFill>
+                <a:solidFill>
+                  <a:srgbClr val="FFFFFF"/>
+                </a:solidFill>
+              </a:uFill>
+              <a:latin typeface="Calibri"/>
+            </a:endParaRPr>
+          </a:p>
+          <a:p>
+            <a:pPr>
+              <a:lnSpc>
+                <a:spcPct val="90000"/>
+              </a:lnSpc>
+            </a:pPr>
+            <a:endParaRPr lang="es-PE" sz="2000" b="0" strike="noStrike" spc="-1" dirty="0">
+              <a:solidFill>
+                <a:srgbClr val="000000"/>
+              </a:solidFill>
+              <a:uFill>
+                <a:solidFill>
+                  <a:srgbClr val="FFFFFF"/>
+                </a:solidFill>
+              </a:uFill>
+              <a:latin typeface="Calibri"/>
             </a:endParaRPr>
           </a:p>
         </p:txBody>
       </p:sp>
       <p:cxnSp>
         <p:nvCxnSpPr>
-          <p:cNvPr id="25" name="Conector recto de flecha 24"/>
+          <p:cNvPr id="4" name="Conector recto 3"/>
           <p:cNvCxnSpPr/>
           <p:nvPr/>
         </p:nvCxnSpPr>
         <p:spPr>
-          <a:xfrm flipH="1">
-            <a:off x="5434959" y="5671700"/>
-            <a:ext cx="965200" cy="0"/>
-          </a:xfrm>
-          <a:prstGeom prst="straightConnector1">
-            <a:avLst/>
-          </a:prstGeom>
-          <a:ln>
-            <a:tailEnd type="triangle"/>
-          </a:ln>
-        </p:spPr>
-        <p:style>
-          <a:lnRef idx="1">
-            <a:schemeClr val="accent1"/>
-          </a:lnRef>
-          <a:fillRef idx="0">
-            <a:schemeClr val="accent1"/>
-          </a:fillRef>
-          <a:effectRef idx="0">
-            <a:schemeClr val="accent1"/>
-          </a:effectRef>
-          <a:fontRef idx="minor">
-            <a:schemeClr val="tx1"/>
-          </a:fontRef>
-        </p:style>
-      </p:cxnSp>
-      <p:cxnSp>
-        <p:nvCxnSpPr>
-          <p:cNvPr id="15" name="Conector curvado 14"/>
-          <p:cNvCxnSpPr/>
-          <p:nvPr/>
-        </p:nvCxnSpPr>
-        <p:spPr>
-          <a:xfrm rot="10800000">
-            <a:off x="2705568" y="5019898"/>
-            <a:ext cx="597608" cy="414942"/>
-          </a:xfrm>
-          <a:prstGeom prst="curvedConnector3">
-            <a:avLst>
-              <a:gd name="adj1" fmla="val 96753"/>
-            </a:avLst>
-          </a:prstGeom>
-          <a:ln>
-            <a:tailEnd type="triangle"/>
-          </a:ln>
-        </p:spPr>
-        <p:style>
-          <a:lnRef idx="1">
-            <a:schemeClr val="accent1"/>
-          </a:lnRef>
-          <a:fillRef idx="0">
-            <a:schemeClr val="accent1"/>
-          </a:fillRef>
-          <a:effectRef idx="0">
-            <a:schemeClr val="accent1"/>
-          </a:effectRef>
-          <a:fontRef idx="minor">
-            <a:schemeClr val="tx1"/>
-          </a:fontRef>
-        </p:style>
-      </p:cxnSp>
-      <p:cxnSp>
-        <p:nvCxnSpPr>
-          <p:cNvPr id="20" name="Conector recto de flecha 19"/>
-          <p:cNvCxnSpPr/>
-          <p:nvPr/>
-        </p:nvCxnSpPr>
-        <p:spPr>
-          <a:xfrm flipV="1">
-            <a:off x="4199867" y="3313341"/>
-            <a:ext cx="0" cy="1229328"/>
-          </a:xfrm>
-          <a:prstGeom prst="straightConnector1">
-            <a:avLst/>
-          </a:prstGeom>
-          <a:ln>
-            <a:tailEnd type="triangle"/>
-          </a:ln>
+          <a:xfrm>
+            <a:off x="-1" y="15498"/>
+            <a:ext cx="11520000" cy="0"/>
+          </a:xfrm>
+          <a:prstGeom prst="line">
+            <a:avLst/>
+          </a:prstGeom>
         </p:spPr>
         <p:style>
           <a:lnRef idx="1">
@@ -16605,662 +17767,323 @@
           <a:chExt cx="0" cy="0"/>
         </a:xfrm>
       </p:grpSpPr>
-      <p:sp>
-        <p:nvSpPr>
-          <p:cNvPr id="165" name="TextShape 1"/>
-          <p:cNvSpPr txBox="1"/>
-          <p:nvPr/>
-        </p:nvSpPr>
-        <p:spPr>
-          <a:xfrm>
-            <a:off x="435124" y="0"/>
-            <a:ext cx="10515240" cy="1325160"/>
-          </a:xfrm>
-          <a:prstGeom prst="rect">
-            <a:avLst/>
-          </a:prstGeom>
-          <a:noFill/>
+      <p:pic>
+        <p:nvPicPr>
+          <p:cNvPr id="182" name="Marcador de contenido 3"/>
+          <p:cNvPicPr/>
+          <p:nvPr/>
+        </p:nvPicPr>
+        <p:blipFill>
+          <a:blip r:embed="rId2"/>
+          <a:stretch/>
+        </p:blipFill>
+        <p:spPr>
+          <a:xfrm>
+            <a:off x="1656000" y="141840"/>
+            <a:ext cx="8991360" cy="6626160"/>
+          </a:xfrm>
+          <a:prstGeom prst="rect">
+            <a:avLst/>
+          </a:prstGeom>
           <a:ln>
             <a:noFill/>
           </a:ln>
         </p:spPr>
+      </p:pic>
+      <p:sp>
+        <p:nvSpPr>
+          <p:cNvPr id="2" name="Rectángulo 1"/>
+          <p:cNvSpPr/>
+          <p:nvPr/>
+        </p:nvSpPr>
+        <p:spPr>
+          <a:xfrm>
+            <a:off x="5308600" y="2882900"/>
+            <a:ext cx="1663700" cy="939800"/>
+          </a:xfrm>
+          <a:prstGeom prst="rect">
+            <a:avLst/>
+          </a:prstGeom>
+        </p:spPr>
+        <p:style>
+          <a:lnRef idx="2">
+            <a:schemeClr val="accent1">
+              <a:shade val="50000"/>
+            </a:schemeClr>
+          </a:lnRef>
+          <a:fillRef idx="1">
+            <a:schemeClr val="accent1"/>
+          </a:fillRef>
+          <a:effectRef idx="0">
+            <a:schemeClr val="accent1"/>
+          </a:effectRef>
+          <a:fontRef idx="minor">
+            <a:schemeClr val="lt1"/>
+          </a:fontRef>
+        </p:style>
         <p:txBody>
-          <a:bodyPr anchor="ctr"/>
+          <a:bodyPr rtlCol="0" anchor="ctr"/>
           <a:lstStyle/>
           <a:p>
-            <a:pPr>
-              <a:lnSpc>
-                <a:spcPct val="90000"/>
-              </a:lnSpc>
-            </a:pPr>
-            <a:r>
-              <a:rPr lang="es-PE" sz="4400" b="0" strike="noStrike" spc="-1">
-                <a:solidFill>
-                  <a:srgbClr val="000000"/>
-                </a:solidFill>
-                <a:uFill>
-                  <a:solidFill>
-                    <a:srgbClr val="FFFFFF"/>
-                  </a:solidFill>
-                </a:uFill>
-                <a:latin typeface="Calibri Light"/>
-              </a:rPr>
-              <a:t>Librerias</a:t>
-            </a:r>
-            <a:endParaRPr lang="es-PE" sz="1800" b="0" strike="noStrike" spc="-1">
-              <a:solidFill>
-                <a:srgbClr val="000000"/>
-              </a:solidFill>
-              <a:uFill>
-                <a:solidFill>
-                  <a:srgbClr val="FFFFFF"/>
-                </a:solidFill>
-              </a:uFill>
-              <a:latin typeface="Calibri"/>
-            </a:endParaRPr>
+            <a:pPr algn="ctr"/>
+            <a:r>
+              <a:rPr lang="es-PE" dirty="0" smtClean="0"/>
+              <a:t>¿Que te gustaría visualizar?</a:t>
+            </a:r>
+            <a:endParaRPr lang="es-PE" dirty="0"/>
           </a:p>
         </p:txBody>
       </p:sp>
       <p:sp>
         <p:nvSpPr>
-          <p:cNvPr id="166" name="TextShape 2"/>
+          <p:cNvPr id="3" name="CuadroTexto 2"/>
           <p:cNvSpPr txBox="1"/>
           <p:nvPr/>
         </p:nvSpPr>
         <p:spPr>
           <a:xfrm>
-            <a:off x="1008561" y="1112638"/>
-            <a:ext cx="8693378" cy="5311409"/>
+            <a:off x="6972300" y="3149600"/>
+            <a:ext cx="1390124" cy="369332"/>
           </a:xfrm>
           <a:prstGeom prst="rect">
             <a:avLst/>
           </a:prstGeom>
           <a:noFill/>
-          <a:ln>
-            <a:noFill/>
-          </a:ln>
         </p:spPr>
         <p:txBody>
-          <a:bodyPr/>
+          <a:bodyPr wrap="none" rtlCol="0">
+            <a:spAutoFit/>
+          </a:bodyPr>
           <a:lstStyle/>
           <a:p>
-            <a:pPr>
-              <a:lnSpc>
-                <a:spcPct val="100000"/>
-              </a:lnSpc>
-            </a:pPr>
-            <a:r>
-              <a:rPr lang="es-PE" sz="2000" b="0" strike="noStrike" spc="-1" dirty="0" err="1">
-                <a:solidFill>
-                  <a:srgbClr val="000000"/>
-                </a:solidFill>
-                <a:uFill>
-                  <a:solidFill>
-                    <a:srgbClr val="FFFFFF"/>
-                  </a:solidFill>
-                </a:uFill>
-                <a:latin typeface="Calibri"/>
-              </a:rPr>
-              <a:t>Numpy</a:t>
-            </a:r>
-            <a:endParaRPr lang="es-PE" sz="2000" b="0" strike="noStrike" spc="-1" dirty="0">
-              <a:solidFill>
-                <a:srgbClr val="000000"/>
-              </a:solidFill>
-              <a:uFill>
-                <a:solidFill>
-                  <a:srgbClr val="FFFFFF"/>
-                </a:solidFill>
-              </a:uFill>
-              <a:latin typeface="Calibri"/>
-            </a:endParaRPr>
-          </a:p>
-          <a:p>
-            <a:pPr>
-              <a:lnSpc>
-                <a:spcPct val="100000"/>
-              </a:lnSpc>
-            </a:pPr>
-            <a:r>
-              <a:rPr lang="es-PE" sz="2000" b="0" strike="noStrike" spc="-1" dirty="0">
-                <a:solidFill>
-                  <a:srgbClr val="000000"/>
-                </a:solidFill>
-                <a:uFill>
-                  <a:solidFill>
-                    <a:srgbClr val="FFFFFF"/>
-                  </a:solidFill>
-                </a:uFill>
-                <a:latin typeface="Calibri"/>
-              </a:rPr>
-              <a:t>Operaciones con vectores, </a:t>
-            </a:r>
-            <a:r>
-              <a:rPr lang="es-PE" sz="2000" b="0" strike="noStrike" spc="-1" dirty="0" smtClean="0">
-                <a:solidFill>
-                  <a:srgbClr val="000000"/>
-                </a:solidFill>
-                <a:uFill>
-                  <a:solidFill>
-                    <a:srgbClr val="FFFFFF"/>
-                  </a:solidFill>
-                </a:uFill>
-                <a:latin typeface="Calibri"/>
-              </a:rPr>
-              <a:t>Matrices</a:t>
-            </a:r>
-          </a:p>
-          <a:p>
-            <a:pPr>
-              <a:lnSpc>
-                <a:spcPct val="100000"/>
-              </a:lnSpc>
-            </a:pPr>
-            <a:endParaRPr lang="es-PE" sz="2000" b="0" strike="noStrike" spc="-1" dirty="0">
-              <a:solidFill>
-                <a:srgbClr val="000000"/>
-              </a:solidFill>
-              <a:uFill>
-                <a:solidFill>
-                  <a:srgbClr val="FFFFFF"/>
-                </a:solidFill>
-              </a:uFill>
-              <a:latin typeface="Calibri"/>
-            </a:endParaRPr>
-          </a:p>
-          <a:p>
-            <a:pPr>
-              <a:lnSpc>
-                <a:spcPct val="100000"/>
-              </a:lnSpc>
-            </a:pPr>
-            <a:r>
-              <a:rPr lang="es-PE" sz="2000" b="0" strike="noStrike" spc="-1" dirty="0" err="1" smtClean="0">
-                <a:solidFill>
-                  <a:srgbClr val="000000"/>
-                </a:solidFill>
-                <a:uFill>
-                  <a:solidFill>
-                    <a:srgbClr val="FFFFFF"/>
-                  </a:solidFill>
-                </a:uFill>
-                <a:latin typeface="Calibri"/>
-              </a:rPr>
-              <a:t>MatplotLib</a:t>
-            </a:r>
-            <a:r>
-              <a:rPr lang="es-PE" sz="2000" b="0" strike="noStrike" spc="-1" dirty="0" smtClean="0">
-                <a:solidFill>
-                  <a:srgbClr val="000000"/>
-                </a:solidFill>
-                <a:uFill>
-                  <a:solidFill>
-                    <a:srgbClr val="FFFFFF"/>
-                  </a:solidFill>
-                </a:uFill>
-                <a:latin typeface="Calibri"/>
-              </a:rPr>
-              <a:t>, </a:t>
-            </a:r>
-            <a:r>
-              <a:rPr lang="es-PE" sz="2000" spc="-1" dirty="0" err="1">
-                <a:solidFill>
-                  <a:srgbClr val="000000"/>
-                </a:solidFill>
-                <a:uFill>
-                  <a:solidFill>
-                    <a:srgbClr val="FFFFFF"/>
-                  </a:solidFill>
-                </a:uFill>
-                <a:latin typeface="Calibri"/>
-              </a:rPr>
-              <a:t>S</a:t>
-            </a:r>
-            <a:r>
-              <a:rPr lang="es-PE" sz="2000" b="0" strike="noStrike" spc="-1" dirty="0" err="1" smtClean="0">
-                <a:solidFill>
-                  <a:srgbClr val="000000"/>
-                </a:solidFill>
-                <a:uFill>
-                  <a:solidFill>
-                    <a:srgbClr val="FFFFFF"/>
-                  </a:solidFill>
-                </a:uFill>
-                <a:latin typeface="Calibri"/>
-              </a:rPr>
-              <a:t>eaborn</a:t>
-            </a:r>
-            <a:r>
-              <a:rPr lang="es-PE" sz="2000" b="0" strike="noStrike" spc="-1" dirty="0" smtClean="0">
-                <a:solidFill>
-                  <a:srgbClr val="000000"/>
-                </a:solidFill>
-                <a:uFill>
-                  <a:solidFill>
-                    <a:srgbClr val="FFFFFF"/>
-                  </a:solidFill>
-                </a:uFill>
-                <a:latin typeface="Calibri"/>
-              </a:rPr>
-              <a:t>, </a:t>
-            </a:r>
-            <a:r>
-              <a:rPr lang="es-PE" sz="2000" b="0" strike="noStrike" spc="-1" dirty="0" err="1" smtClean="0">
-                <a:solidFill>
-                  <a:srgbClr val="000000"/>
-                </a:solidFill>
-                <a:uFill>
-                  <a:solidFill>
-                    <a:srgbClr val="FFFFFF"/>
-                  </a:solidFill>
-                </a:uFill>
-                <a:latin typeface="Calibri"/>
-              </a:rPr>
-              <a:t>Bokeh</a:t>
-            </a:r>
-            <a:endParaRPr lang="es-PE" sz="2000" b="0" strike="noStrike" spc="-1" dirty="0" smtClean="0">
-              <a:solidFill>
-                <a:srgbClr val="000000"/>
-              </a:solidFill>
-              <a:uFill>
-                <a:solidFill>
-                  <a:srgbClr val="FFFFFF"/>
-                </a:solidFill>
-              </a:uFill>
-              <a:latin typeface="Calibri"/>
-            </a:endParaRPr>
-          </a:p>
-          <a:p>
-            <a:pPr>
-              <a:lnSpc>
-                <a:spcPct val="100000"/>
-              </a:lnSpc>
-            </a:pPr>
-            <a:r>
-              <a:rPr lang="es-PE" sz="2000" spc="-1" dirty="0" smtClean="0">
-                <a:solidFill>
-                  <a:srgbClr val="000000"/>
-                </a:solidFill>
-                <a:uFill>
-                  <a:solidFill>
-                    <a:srgbClr val="FFFFFF"/>
-                  </a:solidFill>
-                </a:uFill>
-                <a:latin typeface="Calibri"/>
-              </a:rPr>
-              <a:t>Visualización de datos </a:t>
-            </a:r>
-          </a:p>
-          <a:p>
-            <a:pPr>
-              <a:lnSpc>
-                <a:spcPct val="100000"/>
-              </a:lnSpc>
-            </a:pPr>
-            <a:endParaRPr lang="es-PE" sz="2000" b="0" strike="noStrike" spc="-1" dirty="0">
-              <a:solidFill>
-                <a:srgbClr val="000000"/>
-              </a:solidFill>
-              <a:uFill>
-                <a:solidFill>
-                  <a:srgbClr val="FFFFFF"/>
-                </a:solidFill>
-              </a:uFill>
-              <a:latin typeface="Calibri"/>
-            </a:endParaRPr>
-          </a:p>
-          <a:p>
-            <a:pPr>
-              <a:lnSpc>
-                <a:spcPct val="100000"/>
-              </a:lnSpc>
-            </a:pPr>
-            <a:r>
-              <a:rPr lang="es-PE" sz="2000" b="0" strike="noStrike" spc="-1" dirty="0" err="1">
-                <a:solidFill>
-                  <a:srgbClr val="000000"/>
-                </a:solidFill>
-                <a:uFill>
-                  <a:solidFill>
-                    <a:srgbClr val="FFFFFF"/>
-                  </a:solidFill>
-                </a:uFill>
-                <a:latin typeface="Calibri"/>
-              </a:rPr>
-              <a:t>Scipy</a:t>
-            </a:r>
-            <a:endParaRPr lang="es-PE" sz="2000" b="0" strike="noStrike" spc="-1" dirty="0">
-              <a:solidFill>
-                <a:srgbClr val="000000"/>
-              </a:solidFill>
-              <a:uFill>
-                <a:solidFill>
-                  <a:srgbClr val="FFFFFF"/>
-                </a:solidFill>
-              </a:uFill>
-              <a:latin typeface="Calibri"/>
-            </a:endParaRPr>
-          </a:p>
-          <a:p>
-            <a:pPr>
-              <a:lnSpc>
-                <a:spcPct val="100000"/>
-              </a:lnSpc>
-            </a:pPr>
-            <a:r>
-              <a:rPr lang="es-PE" sz="2000" b="0" strike="noStrike" spc="-1" dirty="0">
-                <a:solidFill>
-                  <a:srgbClr val="000000"/>
-                </a:solidFill>
-                <a:uFill>
-                  <a:solidFill>
-                    <a:srgbClr val="FFFFFF"/>
-                  </a:solidFill>
-                </a:uFill>
-                <a:latin typeface="Calibri"/>
-              </a:rPr>
-              <a:t>Test Estadísticos, </a:t>
-            </a:r>
-            <a:r>
-              <a:rPr lang="es-PE" sz="2000" b="0" strike="noStrike" spc="-1" dirty="0" smtClean="0">
-                <a:solidFill>
-                  <a:srgbClr val="000000"/>
-                </a:solidFill>
-                <a:uFill>
-                  <a:solidFill>
-                    <a:srgbClr val="FFFFFF"/>
-                  </a:solidFill>
-                </a:uFill>
-                <a:latin typeface="Calibri"/>
-              </a:rPr>
-              <a:t>funciones Aritméticas</a:t>
-            </a:r>
-            <a:endParaRPr lang="es-PE" sz="2000" b="0" strike="noStrike" spc="-1" dirty="0">
-              <a:solidFill>
-                <a:srgbClr val="000000"/>
-              </a:solidFill>
-              <a:uFill>
-                <a:solidFill>
-                  <a:srgbClr val="FFFFFF"/>
-                </a:solidFill>
-              </a:uFill>
-              <a:latin typeface="Calibri"/>
-            </a:endParaRPr>
-          </a:p>
-          <a:p>
-            <a:pPr>
-              <a:lnSpc>
-                <a:spcPct val="100000"/>
-              </a:lnSpc>
-            </a:pPr>
-            <a:endParaRPr lang="es-PE" sz="2000" b="0" strike="noStrike" spc="-1" dirty="0">
-              <a:solidFill>
-                <a:srgbClr val="000000"/>
-              </a:solidFill>
-              <a:uFill>
-                <a:solidFill>
-                  <a:srgbClr val="FFFFFF"/>
-                </a:solidFill>
-              </a:uFill>
-              <a:latin typeface="Calibri"/>
-            </a:endParaRPr>
-          </a:p>
-          <a:p>
-            <a:pPr>
-              <a:lnSpc>
-                <a:spcPct val="100000"/>
-              </a:lnSpc>
-            </a:pPr>
-            <a:r>
-              <a:rPr lang="es-PE" sz="2000" b="0" strike="noStrike" spc="-1" dirty="0">
-                <a:solidFill>
-                  <a:srgbClr val="000000"/>
-                </a:solidFill>
-                <a:uFill>
-                  <a:solidFill>
-                    <a:srgbClr val="FFFFFF"/>
-                  </a:solidFill>
-                </a:uFill>
-                <a:latin typeface="Calibri"/>
-              </a:rPr>
-              <a:t>Pandas</a:t>
-            </a:r>
-          </a:p>
-          <a:p>
-            <a:pPr>
-              <a:lnSpc>
-                <a:spcPct val="100000"/>
-              </a:lnSpc>
-            </a:pPr>
-            <a:r>
-              <a:rPr lang="es-PE" sz="2000" b="0" strike="noStrike" spc="-1" dirty="0">
-                <a:solidFill>
-                  <a:srgbClr val="000000"/>
-                </a:solidFill>
-                <a:uFill>
-                  <a:solidFill>
-                    <a:srgbClr val="FFFFFF"/>
-                  </a:solidFill>
-                </a:uFill>
-                <a:latin typeface="Calibri"/>
-              </a:rPr>
-              <a:t>Manejo de archivos(Excel, CSV, </a:t>
-            </a:r>
-            <a:r>
-              <a:rPr lang="es-PE" sz="2000" b="0" strike="noStrike" spc="-1" dirty="0" err="1">
-                <a:solidFill>
-                  <a:srgbClr val="000000"/>
-                </a:solidFill>
-                <a:uFill>
-                  <a:solidFill>
-                    <a:srgbClr val="FFFFFF"/>
-                  </a:solidFill>
-                </a:uFill>
-                <a:latin typeface="Calibri"/>
-              </a:rPr>
-              <a:t>txt</a:t>
-            </a:r>
-            <a:r>
-              <a:rPr lang="es-PE" sz="2000" b="0" strike="noStrike" spc="-1" dirty="0">
-                <a:solidFill>
-                  <a:srgbClr val="000000"/>
-                </a:solidFill>
-                <a:uFill>
-                  <a:solidFill>
-                    <a:srgbClr val="FFFFFF"/>
-                  </a:solidFill>
-                </a:uFill>
-                <a:latin typeface="Calibri"/>
-              </a:rPr>
-              <a:t>, SPSS Files)</a:t>
-            </a:r>
-          </a:p>
-          <a:p>
-            <a:pPr>
-              <a:lnSpc>
-                <a:spcPct val="100000"/>
-              </a:lnSpc>
-            </a:pPr>
-            <a:endParaRPr lang="es-PE" sz="2000" b="0" strike="noStrike" spc="-1" dirty="0">
-              <a:solidFill>
-                <a:srgbClr val="000000"/>
-              </a:solidFill>
-              <a:uFill>
-                <a:solidFill>
-                  <a:srgbClr val="FFFFFF"/>
-                </a:solidFill>
-              </a:uFill>
-              <a:latin typeface="Calibri"/>
-            </a:endParaRPr>
-          </a:p>
-          <a:p>
-            <a:pPr>
-              <a:lnSpc>
-                <a:spcPct val="100000"/>
-              </a:lnSpc>
-            </a:pPr>
-            <a:r>
-              <a:rPr lang="es-PE" sz="2000" b="0" strike="noStrike" spc="-1" dirty="0" err="1">
-                <a:solidFill>
-                  <a:srgbClr val="000000"/>
-                </a:solidFill>
-                <a:uFill>
-                  <a:solidFill>
-                    <a:srgbClr val="FFFFFF"/>
-                  </a:solidFill>
-                </a:uFill>
-                <a:latin typeface="Calibri"/>
-              </a:rPr>
-              <a:t>Scikit-Learn</a:t>
-            </a:r>
-            <a:endParaRPr lang="es-PE" sz="2000" b="0" strike="noStrike" spc="-1" dirty="0">
-              <a:solidFill>
-                <a:srgbClr val="000000"/>
-              </a:solidFill>
-              <a:uFill>
-                <a:solidFill>
-                  <a:srgbClr val="FFFFFF"/>
-                </a:solidFill>
-              </a:uFill>
-              <a:latin typeface="Calibri"/>
-            </a:endParaRPr>
-          </a:p>
-          <a:p>
-            <a:pPr>
-              <a:lnSpc>
-                <a:spcPct val="100000"/>
-              </a:lnSpc>
-            </a:pPr>
-            <a:r>
-              <a:rPr lang="es-PE" sz="2000" b="0" strike="noStrike" spc="-1" dirty="0">
-                <a:solidFill>
-                  <a:srgbClr val="000000"/>
-                </a:solidFill>
-                <a:uFill>
-                  <a:solidFill>
-                    <a:srgbClr val="FFFFFF"/>
-                  </a:solidFill>
-                </a:uFill>
-                <a:latin typeface="Calibri"/>
-              </a:rPr>
-              <a:t>Para </a:t>
-            </a:r>
-            <a:r>
-              <a:rPr lang="es-PE" sz="2000" b="0" strike="noStrike" spc="-1" dirty="0" err="1" smtClean="0">
-                <a:solidFill>
-                  <a:srgbClr val="000000"/>
-                </a:solidFill>
-                <a:uFill>
-                  <a:solidFill>
-                    <a:srgbClr val="FFFFFF"/>
-                  </a:solidFill>
-                </a:uFill>
-                <a:latin typeface="Calibri"/>
-              </a:rPr>
-              <a:t>preprocesamiento</a:t>
-            </a:r>
-            <a:r>
-              <a:rPr lang="es-PE" sz="2000" b="0" strike="noStrike" spc="-1" dirty="0" smtClean="0">
-                <a:solidFill>
-                  <a:srgbClr val="000000"/>
-                </a:solidFill>
-                <a:uFill>
-                  <a:solidFill>
-                    <a:srgbClr val="FFFFFF"/>
-                  </a:solidFill>
-                </a:uFill>
-                <a:latin typeface="Calibri"/>
-              </a:rPr>
-              <a:t> de datos</a:t>
-            </a:r>
-            <a:endParaRPr lang="es-PE" sz="2000" b="0" strike="noStrike" spc="-1" dirty="0">
-              <a:solidFill>
-                <a:srgbClr val="000000"/>
-              </a:solidFill>
-              <a:uFill>
-                <a:solidFill>
-                  <a:srgbClr val="FFFFFF"/>
-                </a:solidFill>
-              </a:uFill>
-              <a:latin typeface="Calibri"/>
-            </a:endParaRPr>
-          </a:p>
-          <a:p>
-            <a:pPr>
-              <a:lnSpc>
-                <a:spcPct val="100000"/>
-              </a:lnSpc>
-            </a:pPr>
-            <a:r>
-              <a:rPr lang="es-PE" sz="2000" b="0" strike="noStrike" spc="-1" dirty="0">
-                <a:solidFill>
-                  <a:srgbClr val="000000"/>
-                </a:solidFill>
-                <a:uFill>
-                  <a:solidFill>
-                    <a:srgbClr val="FFFFFF"/>
-                  </a:solidFill>
-                </a:uFill>
-                <a:latin typeface="Calibri"/>
-              </a:rPr>
-              <a:t>Creación de </a:t>
-            </a:r>
-            <a:r>
-              <a:rPr lang="es-PE" sz="2000" b="0" strike="noStrike" spc="-1" dirty="0" smtClean="0">
-                <a:solidFill>
-                  <a:srgbClr val="000000"/>
-                </a:solidFill>
-                <a:uFill>
-                  <a:solidFill>
-                    <a:srgbClr val="FFFFFF"/>
-                  </a:solidFill>
-                </a:uFill>
-                <a:latin typeface="Calibri"/>
-              </a:rPr>
-              <a:t>Modelos predictivos</a:t>
-            </a:r>
-            <a:endParaRPr lang="es-PE" sz="2000" b="0" strike="noStrike" spc="-1" dirty="0">
-              <a:solidFill>
-                <a:srgbClr val="000000"/>
-              </a:solidFill>
-              <a:uFill>
-                <a:solidFill>
-                  <a:srgbClr val="FFFFFF"/>
-                </a:solidFill>
-              </a:uFill>
-              <a:latin typeface="Calibri"/>
-            </a:endParaRPr>
-          </a:p>
-          <a:p>
-            <a:pPr>
-              <a:lnSpc>
-                <a:spcPct val="90000"/>
-              </a:lnSpc>
-            </a:pPr>
-            <a:endParaRPr lang="es-PE" sz="2000" b="0" strike="noStrike" spc="-1" dirty="0">
-              <a:solidFill>
-                <a:srgbClr val="000000"/>
-              </a:solidFill>
-              <a:uFill>
-                <a:solidFill>
-                  <a:srgbClr val="FFFFFF"/>
-                </a:solidFill>
-              </a:uFill>
-              <a:latin typeface="Calibri"/>
-            </a:endParaRPr>
+            <a:r>
+              <a:rPr lang="es-PE" dirty="0" smtClean="0"/>
+              <a:t>Distribución</a:t>
+            </a:r>
+            <a:endParaRPr lang="es-PE" dirty="0"/>
+          </a:p>
+        </p:txBody>
+      </p:sp>
+      <p:sp>
+        <p:nvSpPr>
+          <p:cNvPr id="5" name="CuadroTexto 4"/>
+          <p:cNvSpPr txBox="1"/>
+          <p:nvPr/>
+        </p:nvSpPr>
+        <p:spPr>
+          <a:xfrm>
+            <a:off x="5445388" y="3930134"/>
+            <a:ext cx="1518364" cy="369332"/>
+          </a:xfrm>
+          <a:prstGeom prst="rect">
+            <a:avLst/>
+          </a:prstGeom>
+          <a:noFill/>
+        </p:spPr>
+        <p:txBody>
+          <a:bodyPr wrap="none" rtlCol="0">
+            <a:spAutoFit/>
+          </a:bodyPr>
+          <a:lstStyle/>
+          <a:p>
+            <a:r>
+              <a:rPr lang="es-PE" dirty="0" smtClean="0"/>
+              <a:t>Composición</a:t>
+            </a:r>
+            <a:endParaRPr lang="es-PE" dirty="0"/>
+          </a:p>
+        </p:txBody>
+      </p:sp>
+      <p:sp>
+        <p:nvSpPr>
+          <p:cNvPr id="6" name="CuadroTexto 5"/>
+          <p:cNvSpPr txBox="1"/>
+          <p:nvPr/>
+        </p:nvSpPr>
+        <p:spPr>
+          <a:xfrm>
+            <a:off x="3790236" y="3142734"/>
+            <a:ext cx="1082348" cy="369332"/>
+          </a:xfrm>
+          <a:prstGeom prst="rect">
+            <a:avLst/>
+          </a:prstGeom>
+          <a:noFill/>
+        </p:spPr>
+        <p:txBody>
+          <a:bodyPr wrap="none" rtlCol="0">
+            <a:spAutoFit/>
+          </a:bodyPr>
+          <a:lstStyle/>
+          <a:p>
+            <a:r>
+              <a:rPr lang="es-PE" dirty="0" smtClean="0"/>
+              <a:t>Relación</a:t>
+            </a:r>
+            <a:endParaRPr lang="es-PE" dirty="0"/>
+          </a:p>
+        </p:txBody>
+      </p:sp>
+      <p:sp>
+        <p:nvSpPr>
+          <p:cNvPr id="7" name="CuadroTexto 6"/>
+          <p:cNvSpPr txBox="1"/>
+          <p:nvPr/>
+        </p:nvSpPr>
+        <p:spPr>
+          <a:xfrm>
+            <a:off x="5415464" y="2459851"/>
+            <a:ext cx="1556836" cy="369332"/>
+          </a:xfrm>
+          <a:prstGeom prst="rect">
+            <a:avLst/>
+          </a:prstGeom>
+          <a:noFill/>
+        </p:spPr>
+        <p:txBody>
+          <a:bodyPr wrap="none" rtlCol="0">
+            <a:spAutoFit/>
+          </a:bodyPr>
+          <a:lstStyle/>
+          <a:p>
+            <a:r>
+              <a:rPr lang="es-PE" dirty="0" err="1" smtClean="0"/>
+              <a:t>Comparacion</a:t>
+            </a:r>
+            <a:endParaRPr lang="es-PE" dirty="0"/>
+          </a:p>
+        </p:txBody>
+      </p:sp>
+      <p:sp>
+        <p:nvSpPr>
+          <p:cNvPr id="4" name="CuadroTexto 3"/>
+          <p:cNvSpPr txBox="1"/>
+          <p:nvPr/>
+        </p:nvSpPr>
+        <p:spPr>
+          <a:xfrm>
+            <a:off x="3053636" y="4457700"/>
+            <a:ext cx="2146806" cy="369332"/>
+          </a:xfrm>
+          <a:prstGeom prst="rect">
+            <a:avLst/>
+          </a:prstGeom>
+          <a:noFill/>
+        </p:spPr>
+        <p:txBody>
+          <a:bodyPr wrap="none" rtlCol="0">
+            <a:spAutoFit/>
+          </a:bodyPr>
+          <a:lstStyle/>
+          <a:p>
+            <a:r>
+              <a:rPr lang="es-PE" dirty="0" smtClean="0"/>
+              <a:t>A través del tiempo</a:t>
+            </a:r>
+            <a:endParaRPr lang="es-PE" dirty="0"/>
+          </a:p>
+        </p:txBody>
+      </p:sp>
+      <p:sp>
+        <p:nvSpPr>
+          <p:cNvPr id="9" name="CuadroTexto 8"/>
+          <p:cNvSpPr txBox="1"/>
+          <p:nvPr/>
+        </p:nvSpPr>
+        <p:spPr>
+          <a:xfrm>
+            <a:off x="7859722" y="4589468"/>
+            <a:ext cx="1005403" cy="369332"/>
+          </a:xfrm>
+          <a:prstGeom prst="rect">
+            <a:avLst/>
+          </a:prstGeom>
+          <a:noFill/>
+        </p:spPr>
+        <p:txBody>
+          <a:bodyPr wrap="none" rtlCol="0">
+            <a:spAutoFit/>
+          </a:bodyPr>
+          <a:lstStyle/>
+          <a:p>
+            <a:r>
+              <a:rPr lang="es-PE" dirty="0" smtClean="0"/>
+              <a:t>Estático</a:t>
+            </a:r>
+            <a:endParaRPr lang="es-PE" dirty="0"/>
+          </a:p>
+        </p:txBody>
+      </p:sp>
+      <p:sp>
+        <p:nvSpPr>
+          <p:cNvPr id="10" name="CuadroTexto 9"/>
+          <p:cNvSpPr txBox="1"/>
+          <p:nvPr/>
+        </p:nvSpPr>
+        <p:spPr>
+          <a:xfrm>
+            <a:off x="2296742" y="4827032"/>
+            <a:ext cx="1241045" cy="276999"/>
+          </a:xfrm>
+          <a:prstGeom prst="rect">
+            <a:avLst/>
+          </a:prstGeom>
+          <a:noFill/>
+        </p:spPr>
+        <p:txBody>
+          <a:bodyPr wrap="none" rtlCol="0">
+            <a:spAutoFit/>
+          </a:bodyPr>
+          <a:lstStyle/>
+          <a:p>
+            <a:r>
+              <a:rPr lang="es-PE" sz="1200" dirty="0" smtClean="0"/>
+              <a:t>Pocos periodos</a:t>
+            </a:r>
+            <a:endParaRPr lang="es-PE" sz="1200" dirty="0"/>
+          </a:p>
+        </p:txBody>
+      </p:sp>
+      <p:sp>
+        <p:nvSpPr>
+          <p:cNvPr id="11" name="CuadroTexto 10"/>
+          <p:cNvSpPr txBox="1"/>
+          <p:nvPr/>
+        </p:nvSpPr>
+        <p:spPr>
+          <a:xfrm>
+            <a:off x="4030946" y="4827032"/>
+            <a:ext cx="1351652" cy="276999"/>
+          </a:xfrm>
+          <a:prstGeom prst="rect">
+            <a:avLst/>
+          </a:prstGeom>
+          <a:noFill/>
+        </p:spPr>
+        <p:txBody>
+          <a:bodyPr wrap="none" rtlCol="0">
+            <a:spAutoFit/>
+          </a:bodyPr>
+          <a:lstStyle/>
+          <a:p>
+            <a:r>
+              <a:rPr lang="es-PE" sz="1200" dirty="0" smtClean="0"/>
+              <a:t>Muchos periodos</a:t>
+            </a:r>
+            <a:endParaRPr lang="es-PE" sz="1200" dirty="0"/>
           </a:p>
         </p:txBody>
       </p:sp>
       <p:cxnSp>
         <p:nvCxnSpPr>
-          <p:cNvPr id="4" name="Conector recto 3"/>
+          <p:cNvPr id="12" name="Conector recto 11"/>
           <p:cNvCxnSpPr/>
           <p:nvPr/>
         </p:nvCxnSpPr>
         <p:spPr>
           <a:xfrm>
             <a:off x="-1" y="15498"/>
-            <a:ext cx="11520000" cy="0"/>
+            <a:ext cx="12240000" cy="0"/>
           </a:xfrm>
           <a:prstGeom prst="line">
             <a:avLst/>
@@ -17319,395 +18142,6 @@
 <file path=ppt/slides/slide21.xml><?xml version="1.0" encoding="utf-8"?>
 <p:sld xmlns:a="http://schemas.openxmlformats.org/drawingml/2006/main" xmlns:r="http://schemas.openxmlformats.org/officeDocument/2006/relationships" xmlns:p="http://schemas.openxmlformats.org/presentationml/2006/main">
   <p:cSld>
-    <p:spTree>
-      <p:nvGrpSpPr>
-        <p:cNvPr id="1" name=""/>
-        <p:cNvGrpSpPr/>
-        <p:nvPr/>
-      </p:nvGrpSpPr>
-      <p:grpSpPr>
-        <a:xfrm>
-          <a:off x="0" y="0"/>
-          <a:ext cx="0" cy="0"/>
-          <a:chOff x="0" y="0"/>
-          <a:chExt cx="0" cy="0"/>
-        </a:xfrm>
-      </p:grpSpPr>
-      <p:pic>
-        <p:nvPicPr>
-          <p:cNvPr id="182" name="Marcador de contenido 3"/>
-          <p:cNvPicPr/>
-          <p:nvPr/>
-        </p:nvPicPr>
-        <p:blipFill>
-          <a:blip r:embed="rId2"/>
-          <a:stretch/>
-        </p:blipFill>
-        <p:spPr>
-          <a:xfrm>
-            <a:off x="1656000" y="141840"/>
-            <a:ext cx="8991360" cy="6626160"/>
-          </a:xfrm>
-          <a:prstGeom prst="rect">
-            <a:avLst/>
-          </a:prstGeom>
-          <a:ln>
-            <a:noFill/>
-          </a:ln>
-        </p:spPr>
-      </p:pic>
-      <p:sp>
-        <p:nvSpPr>
-          <p:cNvPr id="2" name="Rectángulo 1"/>
-          <p:cNvSpPr/>
-          <p:nvPr/>
-        </p:nvSpPr>
-        <p:spPr>
-          <a:xfrm>
-            <a:off x="5308600" y="2882900"/>
-            <a:ext cx="1663700" cy="939800"/>
-          </a:xfrm>
-          <a:prstGeom prst="rect">
-            <a:avLst/>
-          </a:prstGeom>
-        </p:spPr>
-        <p:style>
-          <a:lnRef idx="2">
-            <a:schemeClr val="accent1">
-              <a:shade val="50000"/>
-            </a:schemeClr>
-          </a:lnRef>
-          <a:fillRef idx="1">
-            <a:schemeClr val="accent1"/>
-          </a:fillRef>
-          <a:effectRef idx="0">
-            <a:schemeClr val="accent1"/>
-          </a:effectRef>
-          <a:fontRef idx="minor">
-            <a:schemeClr val="lt1"/>
-          </a:fontRef>
-        </p:style>
-        <p:txBody>
-          <a:bodyPr rtlCol="0" anchor="ctr"/>
-          <a:lstStyle/>
-          <a:p>
-            <a:pPr algn="ctr"/>
-            <a:r>
-              <a:rPr lang="es-PE" dirty="0" smtClean="0"/>
-              <a:t>¿Que te gustaría visualizar?</a:t>
-            </a:r>
-            <a:endParaRPr lang="es-PE" dirty="0"/>
-          </a:p>
-        </p:txBody>
-      </p:sp>
-      <p:sp>
-        <p:nvSpPr>
-          <p:cNvPr id="3" name="CuadroTexto 2"/>
-          <p:cNvSpPr txBox="1"/>
-          <p:nvPr/>
-        </p:nvSpPr>
-        <p:spPr>
-          <a:xfrm>
-            <a:off x="6972300" y="3149600"/>
-            <a:ext cx="1390124" cy="369332"/>
-          </a:xfrm>
-          <a:prstGeom prst="rect">
-            <a:avLst/>
-          </a:prstGeom>
-          <a:noFill/>
-        </p:spPr>
-        <p:txBody>
-          <a:bodyPr wrap="none" rtlCol="0">
-            <a:spAutoFit/>
-          </a:bodyPr>
-          <a:lstStyle/>
-          <a:p>
-            <a:r>
-              <a:rPr lang="es-PE" dirty="0" smtClean="0"/>
-              <a:t>Distribución</a:t>
-            </a:r>
-            <a:endParaRPr lang="es-PE" dirty="0"/>
-          </a:p>
-        </p:txBody>
-      </p:sp>
-      <p:sp>
-        <p:nvSpPr>
-          <p:cNvPr id="5" name="CuadroTexto 4"/>
-          <p:cNvSpPr txBox="1"/>
-          <p:nvPr/>
-        </p:nvSpPr>
-        <p:spPr>
-          <a:xfrm>
-            <a:off x="5445388" y="3930134"/>
-            <a:ext cx="1518364" cy="369332"/>
-          </a:xfrm>
-          <a:prstGeom prst="rect">
-            <a:avLst/>
-          </a:prstGeom>
-          <a:noFill/>
-        </p:spPr>
-        <p:txBody>
-          <a:bodyPr wrap="none" rtlCol="0">
-            <a:spAutoFit/>
-          </a:bodyPr>
-          <a:lstStyle/>
-          <a:p>
-            <a:r>
-              <a:rPr lang="es-PE" dirty="0" smtClean="0"/>
-              <a:t>Composición</a:t>
-            </a:r>
-            <a:endParaRPr lang="es-PE" dirty="0"/>
-          </a:p>
-        </p:txBody>
-      </p:sp>
-      <p:sp>
-        <p:nvSpPr>
-          <p:cNvPr id="6" name="CuadroTexto 5"/>
-          <p:cNvSpPr txBox="1"/>
-          <p:nvPr/>
-        </p:nvSpPr>
-        <p:spPr>
-          <a:xfrm>
-            <a:off x="3790236" y="3142734"/>
-            <a:ext cx="1082348" cy="369332"/>
-          </a:xfrm>
-          <a:prstGeom prst="rect">
-            <a:avLst/>
-          </a:prstGeom>
-          <a:noFill/>
-        </p:spPr>
-        <p:txBody>
-          <a:bodyPr wrap="none" rtlCol="0">
-            <a:spAutoFit/>
-          </a:bodyPr>
-          <a:lstStyle/>
-          <a:p>
-            <a:r>
-              <a:rPr lang="es-PE" dirty="0" smtClean="0"/>
-              <a:t>Relación</a:t>
-            </a:r>
-            <a:endParaRPr lang="es-PE" dirty="0"/>
-          </a:p>
-        </p:txBody>
-      </p:sp>
-      <p:sp>
-        <p:nvSpPr>
-          <p:cNvPr id="7" name="CuadroTexto 6"/>
-          <p:cNvSpPr txBox="1"/>
-          <p:nvPr/>
-        </p:nvSpPr>
-        <p:spPr>
-          <a:xfrm>
-            <a:off x="5415464" y="2459851"/>
-            <a:ext cx="1556836" cy="369332"/>
-          </a:xfrm>
-          <a:prstGeom prst="rect">
-            <a:avLst/>
-          </a:prstGeom>
-          <a:noFill/>
-        </p:spPr>
-        <p:txBody>
-          <a:bodyPr wrap="none" rtlCol="0">
-            <a:spAutoFit/>
-          </a:bodyPr>
-          <a:lstStyle/>
-          <a:p>
-            <a:r>
-              <a:rPr lang="es-PE" dirty="0" err="1" smtClean="0"/>
-              <a:t>Comparacion</a:t>
-            </a:r>
-            <a:endParaRPr lang="es-PE" dirty="0"/>
-          </a:p>
-        </p:txBody>
-      </p:sp>
-      <p:sp>
-        <p:nvSpPr>
-          <p:cNvPr id="4" name="CuadroTexto 3"/>
-          <p:cNvSpPr txBox="1"/>
-          <p:nvPr/>
-        </p:nvSpPr>
-        <p:spPr>
-          <a:xfrm>
-            <a:off x="3053636" y="4457700"/>
-            <a:ext cx="2146806" cy="369332"/>
-          </a:xfrm>
-          <a:prstGeom prst="rect">
-            <a:avLst/>
-          </a:prstGeom>
-          <a:noFill/>
-        </p:spPr>
-        <p:txBody>
-          <a:bodyPr wrap="none" rtlCol="0">
-            <a:spAutoFit/>
-          </a:bodyPr>
-          <a:lstStyle/>
-          <a:p>
-            <a:r>
-              <a:rPr lang="es-PE" dirty="0" smtClean="0"/>
-              <a:t>A través del tiempo</a:t>
-            </a:r>
-            <a:endParaRPr lang="es-PE" dirty="0"/>
-          </a:p>
-        </p:txBody>
-      </p:sp>
-      <p:sp>
-        <p:nvSpPr>
-          <p:cNvPr id="9" name="CuadroTexto 8"/>
-          <p:cNvSpPr txBox="1"/>
-          <p:nvPr/>
-        </p:nvSpPr>
-        <p:spPr>
-          <a:xfrm>
-            <a:off x="7859722" y="4589468"/>
-            <a:ext cx="1005403" cy="369332"/>
-          </a:xfrm>
-          <a:prstGeom prst="rect">
-            <a:avLst/>
-          </a:prstGeom>
-          <a:noFill/>
-        </p:spPr>
-        <p:txBody>
-          <a:bodyPr wrap="none" rtlCol="0">
-            <a:spAutoFit/>
-          </a:bodyPr>
-          <a:lstStyle/>
-          <a:p>
-            <a:r>
-              <a:rPr lang="es-PE" dirty="0" smtClean="0"/>
-              <a:t>Estático</a:t>
-            </a:r>
-            <a:endParaRPr lang="es-PE" dirty="0"/>
-          </a:p>
-        </p:txBody>
-      </p:sp>
-      <p:sp>
-        <p:nvSpPr>
-          <p:cNvPr id="10" name="CuadroTexto 9"/>
-          <p:cNvSpPr txBox="1"/>
-          <p:nvPr/>
-        </p:nvSpPr>
-        <p:spPr>
-          <a:xfrm>
-            <a:off x="2296742" y="4827032"/>
-            <a:ext cx="1241045" cy="276999"/>
-          </a:xfrm>
-          <a:prstGeom prst="rect">
-            <a:avLst/>
-          </a:prstGeom>
-          <a:noFill/>
-        </p:spPr>
-        <p:txBody>
-          <a:bodyPr wrap="none" rtlCol="0">
-            <a:spAutoFit/>
-          </a:bodyPr>
-          <a:lstStyle/>
-          <a:p>
-            <a:r>
-              <a:rPr lang="es-PE" sz="1200" dirty="0" smtClean="0"/>
-              <a:t>Pocos periodos</a:t>
-            </a:r>
-            <a:endParaRPr lang="es-PE" sz="1200" dirty="0"/>
-          </a:p>
-        </p:txBody>
-      </p:sp>
-      <p:sp>
-        <p:nvSpPr>
-          <p:cNvPr id="11" name="CuadroTexto 10"/>
-          <p:cNvSpPr txBox="1"/>
-          <p:nvPr/>
-        </p:nvSpPr>
-        <p:spPr>
-          <a:xfrm>
-            <a:off x="4030946" y="4827032"/>
-            <a:ext cx="1351652" cy="276999"/>
-          </a:xfrm>
-          <a:prstGeom prst="rect">
-            <a:avLst/>
-          </a:prstGeom>
-          <a:noFill/>
-        </p:spPr>
-        <p:txBody>
-          <a:bodyPr wrap="none" rtlCol="0">
-            <a:spAutoFit/>
-          </a:bodyPr>
-          <a:lstStyle/>
-          <a:p>
-            <a:r>
-              <a:rPr lang="es-PE" sz="1200" dirty="0" smtClean="0"/>
-              <a:t>Muchos periodos</a:t>
-            </a:r>
-            <a:endParaRPr lang="es-PE" sz="1200" dirty="0"/>
-          </a:p>
-        </p:txBody>
-      </p:sp>
-      <p:cxnSp>
-        <p:nvCxnSpPr>
-          <p:cNvPr id="12" name="Conector recto 11"/>
-          <p:cNvCxnSpPr/>
-          <p:nvPr/>
-        </p:nvCxnSpPr>
-        <p:spPr>
-          <a:xfrm>
-            <a:off x="-1" y="15498"/>
-            <a:ext cx="12240000" cy="0"/>
-          </a:xfrm>
-          <a:prstGeom prst="line">
-            <a:avLst/>
-          </a:prstGeom>
-        </p:spPr>
-        <p:style>
-          <a:lnRef idx="1">
-            <a:schemeClr val="accent1"/>
-          </a:lnRef>
-          <a:fillRef idx="0">
-            <a:schemeClr val="accent1"/>
-          </a:fillRef>
-          <a:effectRef idx="0">
-            <a:schemeClr val="accent1"/>
-          </a:effectRef>
-          <a:fontRef idx="minor">
-            <a:schemeClr val="tx1"/>
-          </a:fontRef>
-        </p:style>
-      </p:cxnSp>
-    </p:spTree>
-  </p:cSld>
-  <p:clrMapOvr>
-    <a:masterClrMapping/>
-  </p:clrMapOvr>
-  <p:timing>
-    <p:tnLst>
-      <p:par>
-        <p:cTn id="1" dur="indefinite" restart="never" nodeType="tmRoot">
-          <p:childTnLst>
-            <p:seq>
-              <p:cTn id="2" nodeType="mainSeq"/>
-              <p:prevCondLst>
-                <p:cond evt="onPrev" delay="0">
-                  <p:tgtEl>
-                    <p:sldTgt/>
-                  </p:tgtEl>
-                </p:cond>
-              </p:prevCondLst>
-              <p:nextCondLst>
-                <p:cond evt="onNext" delay="0">
-                  <p:tgtEl>
-                    <p:sldTgt/>
-                  </p:tgtEl>
-                </p:cond>
-              </p:nextCondLst>
-            </p:seq>
-          </p:childTnLst>
-        </p:cTn>
-      </p:par>
-    </p:tnLst>
-  </p:timing>
-</p:sld>
-</file>
-
-<file path=ppt/slides/slide22.xml><?xml version="1.0" encoding="utf-8"?>
-<p:sld xmlns:a="http://schemas.openxmlformats.org/drawingml/2006/main" xmlns:r="http://schemas.openxmlformats.org/officeDocument/2006/relationships" xmlns:p="http://schemas.openxmlformats.org/presentationml/2006/main">
-  <p:cSld>
     <p:bg>
       <p:bgPr>
         <a:solidFill>
@@ -17849,7 +18283,15 @@
             </a:r>
             <a:r>
               <a:rPr lang="es-PE" sz="2800" dirty="0" smtClean="0"/>
-              <a:t> trabaja en equipo no es una persona que lo sabe todo.</a:t>
+              <a:t> trabaja en equipo no es una </a:t>
+            </a:r>
+            <a:r>
+              <a:rPr lang="es-PE" sz="2800" dirty="0" smtClean="0"/>
+              <a:t> única persona </a:t>
+            </a:r>
+            <a:r>
+              <a:rPr lang="es-PE" sz="2800" dirty="0" smtClean="0"/>
+              <a:t>que lo sabe todo.</a:t>
             </a:r>
             <a:endParaRPr lang="es-PE" sz="2800" dirty="0"/>
           </a:p>
@@ -18061,7 +18503,7 @@
 </p:sld>
 </file>
 
-<file path=ppt/slides/slide23.xml><?xml version="1.0" encoding="utf-8"?>
+<file path=ppt/slides/slide22.xml><?xml version="1.0" encoding="utf-8"?>
 <p:sld xmlns:a="http://schemas.openxmlformats.org/drawingml/2006/main" xmlns:r="http://schemas.openxmlformats.org/officeDocument/2006/relationships" xmlns:p="http://schemas.openxmlformats.org/presentationml/2006/main">
   <p:cSld>
     <p:spTree>
@@ -18368,7 +18810,7 @@
 </p:sld>
 </file>
 
-<file path=ppt/slides/slide24.xml><?xml version="1.0" encoding="utf-8"?>
+<file path=ppt/slides/slide23.xml><?xml version="1.0" encoding="utf-8"?>
 <p:sld xmlns:a="http://schemas.openxmlformats.org/drawingml/2006/main" xmlns:r="http://schemas.openxmlformats.org/officeDocument/2006/relationships" xmlns:p="http://schemas.openxmlformats.org/presentationml/2006/main">
   <p:cSld>
     <p:spTree>
@@ -20649,7 +21091,7 @@
 </p:sld>
 </file>
 
-<file path=ppt/slides/slide25.xml><?xml version="1.0" encoding="utf-8"?>
+<file path=ppt/slides/slide24.xml><?xml version="1.0" encoding="utf-8"?>
 <p:sld xmlns:a="http://schemas.openxmlformats.org/drawingml/2006/main" xmlns:r="http://schemas.openxmlformats.org/officeDocument/2006/relationships" xmlns:p="http://schemas.openxmlformats.org/presentationml/2006/main">
   <p:cSld>
     <p:spTree>
@@ -20780,7 +21222,7 @@
 </p:sld>
 </file>
 
-<file path=ppt/slides/slide26.xml><?xml version="1.0" encoding="utf-8"?>
+<file path=ppt/slides/slide25.xml><?xml version="1.0" encoding="utf-8"?>
 <p:sld xmlns:a="http://schemas.openxmlformats.org/drawingml/2006/main" xmlns:r="http://schemas.openxmlformats.org/officeDocument/2006/relationships" xmlns:p="http://schemas.openxmlformats.org/presentationml/2006/main">
   <p:cSld>
     <p:spTree>
@@ -23309,13 +23751,7 @@
               <a:rPr lang="en-US" sz="1100" dirty="0" smtClean="0">
                 <a:latin typeface="+mn-lt"/>
               </a:rPr>
-              <a:t> </a:t>
-            </a:r>
-            <a:r>
-              <a:rPr lang="en-US" sz="1100" dirty="0" smtClean="0">
-                <a:latin typeface="+mn-lt"/>
-              </a:rPr>
-              <a:t>de </a:t>
+              <a:t> de </a:t>
             </a:r>
             <a:r>
               <a:rPr lang="en-US" sz="1100" dirty="0" err="1" smtClean="0">
